--- a/MidPresentation1122.pptx
+++ b/MidPresentation1122.pptx
@@ -4,15 +4,18 @@
   <p:sldMasterIdLst>
     <p:sldMasterId id="2147483648" r:id="rId1"/>
   </p:sldMasterIdLst>
+  <p:notesMasterIdLst>
+    <p:notesMasterId r:id="rId14"/>
+  </p:notesMasterIdLst>
   <p:sldIdLst>
-    <p:sldId id="256" r:id="rId2"/>
-    <p:sldId id="257" r:id="rId3"/>
-    <p:sldId id="258" r:id="rId4"/>
-    <p:sldId id="259" r:id="rId5"/>
-    <p:sldId id="260" r:id="rId6"/>
-    <p:sldId id="261" r:id="rId7"/>
-    <p:sldId id="262" r:id="rId8"/>
-    <p:sldId id="263" r:id="rId9"/>
+    <p:sldId id="263" r:id="rId2"/>
+    <p:sldId id="256" r:id="rId3"/>
+    <p:sldId id="257" r:id="rId4"/>
+    <p:sldId id="258" r:id="rId5"/>
+    <p:sldId id="259" r:id="rId6"/>
+    <p:sldId id="260" r:id="rId7"/>
+    <p:sldId id="261" r:id="rId8"/>
+    <p:sldId id="262" r:id="rId9"/>
     <p:sldId id="264" r:id="rId10"/>
     <p:sldId id="265" r:id="rId11"/>
     <p:sldId id="266" r:id="rId12"/>
@@ -115,7 +118,362 @@
       </a:defRPr>
     </a:lvl9pPr>
   </p:defaultTextStyle>
+  <p:extLst>
+    <p:ext uri="{EFAFB233-063F-42B5-8137-9DF3F51BA10A}">
+      <p15:sldGuideLst xmlns:p15="http://schemas.microsoft.com/office/powerpoint/2012/main"/>
+    </p:ext>
+  </p:extLst>
 </p:presentation>
+</file>
+
+<file path=ppt/notesMasters/notesMaster1.xml><?xml version="1.0" encoding="utf-8"?>
+<p:notesMaster xmlns:a="http://schemas.openxmlformats.org/drawingml/2006/main" xmlns:r="http://schemas.openxmlformats.org/officeDocument/2006/relationships" xmlns:p="http://schemas.openxmlformats.org/presentationml/2006/main">
+  <p:cSld>
+    <p:bg>
+      <p:bgRef idx="1001">
+        <a:schemeClr val="bg1"/>
+      </p:bgRef>
+    </p:bg>
+    <p:spTree>
+      <p:nvGrpSpPr>
+        <p:cNvPr id="1" name=""/>
+        <p:cNvGrpSpPr/>
+        <p:nvPr/>
+      </p:nvGrpSpPr>
+      <p:grpSpPr>
+        <a:xfrm>
+          <a:off x="0" y="0"/>
+          <a:ext cx="0" cy="0"/>
+          <a:chOff x="0" y="0"/>
+          <a:chExt cx="0" cy="0"/>
+        </a:xfrm>
+      </p:grpSpPr>
+      <p:sp>
+        <p:nvSpPr>
+          <p:cNvPr id="2" name="Header Placeholder 1"/>
+          <p:cNvSpPr>
+            <a:spLocks noGrp="1"/>
+          </p:cNvSpPr>
+          <p:nvPr>
+            <p:ph type="hdr" sz="quarter"/>
+          </p:nvPr>
+        </p:nvSpPr>
+        <p:spPr>
+          <a:xfrm>
+            <a:off x="0" y="0"/>
+            <a:ext cx="2971800" cy="458788"/>
+          </a:xfrm>
+          <a:prstGeom prst="rect">
+            <a:avLst/>
+          </a:prstGeom>
+        </p:spPr>
+        <p:txBody>
+          <a:bodyPr vert="horz" lIns="91440" tIns="45720" rIns="91440" bIns="45720" rtlCol="0"/>
+          <a:lstStyle>
+            <a:lvl1pPr algn="l">
+              <a:defRPr sz="1200"/>
+            </a:lvl1pPr>
+          </a:lstStyle>
+          <a:p>
+            <a:endParaRPr lang="en-US"/>
+          </a:p>
+        </p:txBody>
+      </p:sp>
+      <p:sp>
+        <p:nvSpPr>
+          <p:cNvPr id="3" name="Date Placeholder 2"/>
+          <p:cNvSpPr>
+            <a:spLocks noGrp="1"/>
+          </p:cNvSpPr>
+          <p:nvPr>
+            <p:ph type="dt" idx="1"/>
+          </p:nvPr>
+        </p:nvSpPr>
+        <p:spPr>
+          <a:xfrm>
+            <a:off x="3884613" y="0"/>
+            <a:ext cx="2971800" cy="458788"/>
+          </a:xfrm>
+          <a:prstGeom prst="rect">
+            <a:avLst/>
+          </a:prstGeom>
+        </p:spPr>
+        <p:txBody>
+          <a:bodyPr vert="horz" lIns="91440" tIns="45720" rIns="91440" bIns="45720" rtlCol="0"/>
+          <a:lstStyle>
+            <a:lvl1pPr algn="r">
+              <a:defRPr sz="1200"/>
+            </a:lvl1pPr>
+          </a:lstStyle>
+          <a:p>
+            <a:fld id="{85E58294-7FF3-440C-BF1F-EE7EAF15DDB8}" type="datetimeFigureOut">
+              <a:rPr lang="en-US" smtClean="0"/>
+              <a:t>3/12/2020</a:t>
+            </a:fld>
+            <a:endParaRPr lang="en-US"/>
+          </a:p>
+        </p:txBody>
+      </p:sp>
+      <p:sp>
+        <p:nvSpPr>
+          <p:cNvPr id="4" name="Slide Image Placeholder 3"/>
+          <p:cNvSpPr>
+            <a:spLocks noGrp="1" noRot="1" noChangeAspect="1"/>
+          </p:cNvSpPr>
+          <p:nvPr>
+            <p:ph type="sldImg" idx="2"/>
+          </p:nvPr>
+        </p:nvSpPr>
+        <p:spPr>
+          <a:xfrm>
+            <a:off x="685800" y="1143000"/>
+            <a:ext cx="5486400" cy="3086100"/>
+          </a:xfrm>
+          <a:prstGeom prst="rect">
+            <a:avLst/>
+          </a:prstGeom>
+          <a:noFill/>
+          <a:ln w="12700">
+            <a:solidFill>
+              <a:prstClr val="black"/>
+            </a:solidFill>
+          </a:ln>
+        </p:spPr>
+        <p:txBody>
+          <a:bodyPr vert="horz" lIns="91440" tIns="45720" rIns="91440" bIns="45720" rtlCol="0" anchor="ctr"/>
+          <a:lstStyle/>
+          <a:p>
+            <a:endParaRPr lang="en-US"/>
+          </a:p>
+        </p:txBody>
+      </p:sp>
+      <p:sp>
+        <p:nvSpPr>
+          <p:cNvPr id="5" name="Notes Placeholder 4"/>
+          <p:cNvSpPr>
+            <a:spLocks noGrp="1"/>
+          </p:cNvSpPr>
+          <p:nvPr>
+            <p:ph type="body" sz="quarter" idx="3"/>
+          </p:nvPr>
+        </p:nvSpPr>
+        <p:spPr>
+          <a:xfrm>
+            <a:off x="685800" y="4400550"/>
+            <a:ext cx="5486400" cy="3600450"/>
+          </a:xfrm>
+          <a:prstGeom prst="rect">
+            <a:avLst/>
+          </a:prstGeom>
+        </p:spPr>
+        <p:txBody>
+          <a:bodyPr vert="horz" lIns="91440" tIns="45720" rIns="91440" bIns="45720" rtlCol="0"/>
+          <a:lstStyle/>
+          <a:p>
+            <a:pPr lvl="0"/>
+            <a:r>
+              <a:rPr lang="en-US" smtClean="0"/>
+              <a:t>Edit Master text styles</a:t>
+            </a:r>
+          </a:p>
+          <a:p>
+            <a:pPr lvl="1"/>
+            <a:r>
+              <a:rPr lang="en-US" smtClean="0"/>
+              <a:t>Second level</a:t>
+            </a:r>
+          </a:p>
+          <a:p>
+            <a:pPr lvl="2"/>
+            <a:r>
+              <a:rPr lang="en-US" smtClean="0"/>
+              <a:t>Third level</a:t>
+            </a:r>
+          </a:p>
+          <a:p>
+            <a:pPr lvl="3"/>
+            <a:r>
+              <a:rPr lang="en-US" smtClean="0"/>
+              <a:t>Fourth level</a:t>
+            </a:r>
+          </a:p>
+          <a:p>
+            <a:pPr lvl="4"/>
+            <a:r>
+              <a:rPr lang="en-US" smtClean="0"/>
+              <a:t>Fifth level</a:t>
+            </a:r>
+            <a:endParaRPr lang="en-US"/>
+          </a:p>
+        </p:txBody>
+      </p:sp>
+      <p:sp>
+        <p:nvSpPr>
+          <p:cNvPr id="6" name="Footer Placeholder 5"/>
+          <p:cNvSpPr>
+            <a:spLocks noGrp="1"/>
+          </p:cNvSpPr>
+          <p:nvPr>
+            <p:ph type="ftr" sz="quarter" idx="4"/>
+          </p:nvPr>
+        </p:nvSpPr>
+        <p:spPr>
+          <a:xfrm>
+            <a:off x="0" y="8685213"/>
+            <a:ext cx="2971800" cy="458787"/>
+          </a:xfrm>
+          <a:prstGeom prst="rect">
+            <a:avLst/>
+          </a:prstGeom>
+        </p:spPr>
+        <p:txBody>
+          <a:bodyPr vert="horz" lIns="91440" tIns="45720" rIns="91440" bIns="45720" rtlCol="0" anchor="b"/>
+          <a:lstStyle>
+            <a:lvl1pPr algn="l">
+              <a:defRPr sz="1200"/>
+            </a:lvl1pPr>
+          </a:lstStyle>
+          <a:p>
+            <a:endParaRPr lang="en-US"/>
+          </a:p>
+        </p:txBody>
+      </p:sp>
+      <p:sp>
+        <p:nvSpPr>
+          <p:cNvPr id="7" name="Slide Number Placeholder 6"/>
+          <p:cNvSpPr>
+            <a:spLocks noGrp="1"/>
+          </p:cNvSpPr>
+          <p:nvPr>
+            <p:ph type="sldNum" sz="quarter" idx="5"/>
+          </p:nvPr>
+        </p:nvSpPr>
+        <p:spPr>
+          <a:xfrm>
+            <a:off x="3884613" y="8685213"/>
+            <a:ext cx="2971800" cy="458787"/>
+          </a:xfrm>
+          <a:prstGeom prst="rect">
+            <a:avLst/>
+          </a:prstGeom>
+        </p:spPr>
+        <p:txBody>
+          <a:bodyPr vert="horz" lIns="91440" tIns="45720" rIns="91440" bIns="45720" rtlCol="0" anchor="b"/>
+          <a:lstStyle>
+            <a:lvl1pPr algn="r">
+              <a:defRPr sz="1200"/>
+            </a:lvl1pPr>
+          </a:lstStyle>
+          <a:p>
+            <a:fld id="{DDCB1217-7F15-419B-AFA7-12213F770056}" type="slidenum">
+              <a:rPr lang="en-US" smtClean="0"/>
+              <a:t>‹#›</a:t>
+            </a:fld>
+            <a:endParaRPr lang="en-US"/>
+          </a:p>
+        </p:txBody>
+      </p:sp>
+    </p:spTree>
+    <p:extLst>
+      <p:ext uri="{BB962C8B-B14F-4D97-AF65-F5344CB8AC3E}">
+        <p14:creationId xmlns:p14="http://schemas.microsoft.com/office/powerpoint/2010/main" val="3660010264"/>
+      </p:ext>
+    </p:extLst>
+  </p:cSld>
+  <p:clrMap bg1="lt1" tx1="dk1" bg2="lt2" tx2="dk2" accent1="accent1" accent2="accent2" accent3="accent3" accent4="accent4" accent5="accent5" accent6="accent6" hlink="hlink" folHlink="folHlink"/>
+  <p:notesStyle>
+    <a:lvl1pPr marL="0" algn="l" defTabSz="914400" rtl="0" eaLnBrk="1" latinLnBrk="0" hangingPunct="1">
+      <a:defRPr sz="1200" kern="1200">
+        <a:solidFill>
+          <a:schemeClr val="tx1"/>
+        </a:solidFill>
+        <a:latin typeface="+mn-lt"/>
+        <a:ea typeface="+mn-ea"/>
+        <a:cs typeface="+mn-cs"/>
+      </a:defRPr>
+    </a:lvl1pPr>
+    <a:lvl2pPr marL="457200" algn="l" defTabSz="914400" rtl="0" eaLnBrk="1" latinLnBrk="0" hangingPunct="1">
+      <a:defRPr sz="1200" kern="1200">
+        <a:solidFill>
+          <a:schemeClr val="tx1"/>
+        </a:solidFill>
+        <a:latin typeface="+mn-lt"/>
+        <a:ea typeface="+mn-ea"/>
+        <a:cs typeface="+mn-cs"/>
+      </a:defRPr>
+    </a:lvl2pPr>
+    <a:lvl3pPr marL="914400" algn="l" defTabSz="914400" rtl="0" eaLnBrk="1" latinLnBrk="0" hangingPunct="1">
+      <a:defRPr sz="1200" kern="1200">
+        <a:solidFill>
+          <a:schemeClr val="tx1"/>
+        </a:solidFill>
+        <a:latin typeface="+mn-lt"/>
+        <a:ea typeface="+mn-ea"/>
+        <a:cs typeface="+mn-cs"/>
+      </a:defRPr>
+    </a:lvl3pPr>
+    <a:lvl4pPr marL="1371600" algn="l" defTabSz="914400" rtl="0" eaLnBrk="1" latinLnBrk="0" hangingPunct="1">
+      <a:defRPr sz="1200" kern="1200">
+        <a:solidFill>
+          <a:schemeClr val="tx1"/>
+        </a:solidFill>
+        <a:latin typeface="+mn-lt"/>
+        <a:ea typeface="+mn-ea"/>
+        <a:cs typeface="+mn-cs"/>
+      </a:defRPr>
+    </a:lvl4pPr>
+    <a:lvl5pPr marL="1828800" algn="l" defTabSz="914400" rtl="0" eaLnBrk="1" latinLnBrk="0" hangingPunct="1">
+      <a:defRPr sz="1200" kern="1200">
+        <a:solidFill>
+          <a:schemeClr val="tx1"/>
+        </a:solidFill>
+        <a:latin typeface="+mn-lt"/>
+        <a:ea typeface="+mn-ea"/>
+        <a:cs typeface="+mn-cs"/>
+      </a:defRPr>
+    </a:lvl5pPr>
+    <a:lvl6pPr marL="2286000" algn="l" defTabSz="914400" rtl="0" eaLnBrk="1" latinLnBrk="0" hangingPunct="1">
+      <a:defRPr sz="1200" kern="1200">
+        <a:solidFill>
+          <a:schemeClr val="tx1"/>
+        </a:solidFill>
+        <a:latin typeface="+mn-lt"/>
+        <a:ea typeface="+mn-ea"/>
+        <a:cs typeface="+mn-cs"/>
+      </a:defRPr>
+    </a:lvl6pPr>
+    <a:lvl7pPr marL="2743200" algn="l" defTabSz="914400" rtl="0" eaLnBrk="1" latinLnBrk="0" hangingPunct="1">
+      <a:defRPr sz="1200" kern="1200">
+        <a:solidFill>
+          <a:schemeClr val="tx1"/>
+        </a:solidFill>
+        <a:latin typeface="+mn-lt"/>
+        <a:ea typeface="+mn-ea"/>
+        <a:cs typeface="+mn-cs"/>
+      </a:defRPr>
+    </a:lvl7pPr>
+    <a:lvl8pPr marL="3200400" algn="l" defTabSz="914400" rtl="0" eaLnBrk="1" latinLnBrk="0" hangingPunct="1">
+      <a:defRPr sz="1200" kern="1200">
+        <a:solidFill>
+          <a:schemeClr val="tx1"/>
+        </a:solidFill>
+        <a:latin typeface="+mn-lt"/>
+        <a:ea typeface="+mn-ea"/>
+        <a:cs typeface="+mn-cs"/>
+      </a:defRPr>
+    </a:lvl8pPr>
+    <a:lvl9pPr marL="3657600" algn="l" defTabSz="914400" rtl="0" eaLnBrk="1" latinLnBrk="0" hangingPunct="1">
+      <a:defRPr sz="1200" kern="1200">
+        <a:solidFill>
+          <a:schemeClr val="tx1"/>
+        </a:solidFill>
+        <a:latin typeface="+mn-lt"/>
+        <a:ea typeface="+mn-ea"/>
+        <a:cs typeface="+mn-cs"/>
+      </a:defRPr>
+    </a:lvl9pPr>
+  </p:notesStyle>
+</p:notesMaster>
 </file>
 
 <file path=ppt/slideLayouts/slideLayout1.xml><?xml version="1.0" encoding="utf-8"?>
@@ -247,9 +605,9 @@
           <a:bodyPr/>
           <a:lstStyle/>
           <a:p>
-            <a:fld id="{9720A070-25E4-4174-B919-A0F2D7220B84}" type="datetimeFigureOut">
+            <a:fld id="{DAC34BB4-5B7B-4ABC-BD34-3C3CE5A37F07}" type="datetime1">
               <a:rPr lang="en-US" smtClean="0"/>
-              <a:t>3/11/2020</a:t>
+              <a:t>3/12/2020</a:t>
             </a:fld>
             <a:endParaRPr lang="en-US"/>
           </a:p>
@@ -417,9 +775,9 @@
           <a:bodyPr/>
           <a:lstStyle/>
           <a:p>
-            <a:fld id="{9720A070-25E4-4174-B919-A0F2D7220B84}" type="datetimeFigureOut">
+            <a:fld id="{078D283B-DB16-47DB-A044-F64D07A8DBDC}" type="datetime1">
               <a:rPr lang="en-US" smtClean="0"/>
-              <a:t>3/11/2020</a:t>
+              <a:t>3/12/2020</a:t>
             </a:fld>
             <a:endParaRPr lang="en-US"/>
           </a:p>
@@ -597,9 +955,9 @@
           <a:bodyPr/>
           <a:lstStyle/>
           <a:p>
-            <a:fld id="{9720A070-25E4-4174-B919-A0F2D7220B84}" type="datetimeFigureOut">
+            <a:fld id="{61F0AA83-EA7A-4027-A0A7-A6A906471DDB}" type="datetime1">
               <a:rPr lang="en-US" smtClean="0"/>
-              <a:t>3/11/2020</a:t>
+              <a:t>3/12/2020</a:t>
             </a:fld>
             <a:endParaRPr lang="en-US"/>
           </a:p>
@@ -767,9 +1125,9 @@
           <a:bodyPr/>
           <a:lstStyle/>
           <a:p>
-            <a:fld id="{9720A070-25E4-4174-B919-A0F2D7220B84}" type="datetimeFigureOut">
+            <a:fld id="{EFFC87B6-44CB-453E-851E-584E70DBF1A8}" type="datetime1">
               <a:rPr lang="en-US" smtClean="0"/>
-              <a:t>3/11/2020</a:t>
+              <a:t>3/12/2020</a:t>
             </a:fld>
             <a:endParaRPr lang="en-US"/>
           </a:p>
@@ -1013,9 +1371,9 @@
           <a:bodyPr/>
           <a:lstStyle/>
           <a:p>
-            <a:fld id="{9720A070-25E4-4174-B919-A0F2D7220B84}" type="datetimeFigureOut">
+            <a:fld id="{9F79A9D8-CBB1-4F00-9864-FB2E0B940977}" type="datetime1">
               <a:rPr lang="en-US" smtClean="0"/>
-              <a:t>3/11/2020</a:t>
+              <a:t>3/12/2020</a:t>
             </a:fld>
             <a:endParaRPr lang="en-US"/>
           </a:p>
@@ -1245,9 +1603,9 @@
           <a:bodyPr/>
           <a:lstStyle/>
           <a:p>
-            <a:fld id="{9720A070-25E4-4174-B919-A0F2D7220B84}" type="datetimeFigureOut">
+            <a:fld id="{C35420A8-78B2-48E0-99DF-6A14E282BF73}" type="datetime1">
               <a:rPr lang="en-US" smtClean="0"/>
-              <a:t>3/11/2020</a:t>
+              <a:t>3/12/2020</a:t>
             </a:fld>
             <a:endParaRPr lang="en-US"/>
           </a:p>
@@ -1612,9 +1970,9 @@
           <a:bodyPr/>
           <a:lstStyle/>
           <a:p>
-            <a:fld id="{9720A070-25E4-4174-B919-A0F2D7220B84}" type="datetimeFigureOut">
+            <a:fld id="{124688EE-8C2A-4BF2-ADA9-82206FFBF218}" type="datetime1">
               <a:rPr lang="en-US" smtClean="0"/>
-              <a:t>3/11/2020</a:t>
+              <a:t>3/12/2020</a:t>
             </a:fld>
             <a:endParaRPr lang="en-US"/>
           </a:p>
@@ -1730,9 +2088,9 @@
           <a:bodyPr/>
           <a:lstStyle/>
           <a:p>
-            <a:fld id="{9720A070-25E4-4174-B919-A0F2D7220B84}" type="datetimeFigureOut">
+            <a:fld id="{1FC1BA4D-D176-4F29-A7C1-8BC953A4E963}" type="datetime1">
               <a:rPr lang="en-US" smtClean="0"/>
-              <a:t>3/11/2020</a:t>
+              <a:t>3/12/2020</a:t>
             </a:fld>
             <a:endParaRPr lang="en-US"/>
           </a:p>
@@ -1825,9 +2183,9 @@
           <a:bodyPr/>
           <a:lstStyle/>
           <a:p>
-            <a:fld id="{9720A070-25E4-4174-B919-A0F2D7220B84}" type="datetimeFigureOut">
+            <a:fld id="{0AE15227-30FE-432E-9BC8-B29D47EBE6EF}" type="datetime1">
               <a:rPr lang="en-US" smtClean="0"/>
-              <a:t>3/11/2020</a:t>
+              <a:t>3/12/2020</a:t>
             </a:fld>
             <a:endParaRPr lang="en-US"/>
           </a:p>
@@ -2102,9 +2460,9 @@
           <a:bodyPr/>
           <a:lstStyle/>
           <a:p>
-            <a:fld id="{9720A070-25E4-4174-B919-A0F2D7220B84}" type="datetimeFigureOut">
+            <a:fld id="{F869D4DD-367D-4AAD-9669-7C7AEFB806AE}" type="datetime1">
               <a:rPr lang="en-US" smtClean="0"/>
-              <a:t>3/11/2020</a:t>
+              <a:t>3/12/2020</a:t>
             </a:fld>
             <a:endParaRPr lang="en-US"/>
           </a:p>
@@ -2355,9 +2713,9 @@
           <a:bodyPr/>
           <a:lstStyle/>
           <a:p>
-            <a:fld id="{9720A070-25E4-4174-B919-A0F2D7220B84}" type="datetimeFigureOut">
+            <a:fld id="{D9D3C8E9-5B01-4A93-B42B-07A1ACFE6C83}" type="datetime1">
               <a:rPr lang="en-US" smtClean="0"/>
-              <a:t>3/11/2020</a:t>
+              <a:t>3/12/2020</a:t>
             </a:fld>
             <a:endParaRPr lang="en-US"/>
           </a:p>
@@ -2568,9 +2926,9 @@
             </a:lvl1pPr>
           </a:lstStyle>
           <a:p>
-            <a:fld id="{9720A070-25E4-4174-B919-A0F2D7220B84}" type="datetimeFigureOut">
+            <a:fld id="{5C36DF27-BB25-4C4E-B529-AFB56024D46A}" type="datetime1">
               <a:rPr lang="en-US" smtClean="0"/>
-              <a:t>3/11/2020</a:t>
+              <a:t>3/12/2020</a:t>
             </a:fld>
             <a:endParaRPr lang="en-US"/>
           </a:p>
@@ -2675,6 +3033,7 @@
     <p:sldLayoutId id="2147483658" r:id="rId10"/>
     <p:sldLayoutId id="2147483659" r:id="rId11"/>
   </p:sldLayoutIdLst>
+  <p:hf hdr="0" ftr="0" dt="0"/>
   <p:txStyles>
     <p:titleStyle>
       <a:lvl1pPr algn="l" defTabSz="914400" rtl="0" eaLnBrk="1" latinLnBrk="0" hangingPunct="1">
@@ -3139,8 +3498,8 @@
         </p:nvSpPr>
         <p:spPr>
           <a:xfrm>
-            <a:off x="-638978" y="583894"/>
-            <a:ext cx="3216925" cy="627962"/>
+            <a:off x="-1834732" y="1504862"/>
+            <a:ext cx="8962363" cy="3493477"/>
           </a:xfrm>
           <a:prstGeom prst="flowChartInputOutput">
             <a:avLst/>
@@ -3189,6 +3548,1310 @@
       </p:sp>
       <p:sp>
         <p:nvSpPr>
+          <p:cNvPr id="2" name="TextBox 1"/>
+          <p:cNvSpPr txBox="1"/>
+          <p:nvPr/>
+        </p:nvSpPr>
+        <p:spPr>
+          <a:xfrm>
+            <a:off x="1019908" y="1744847"/>
+            <a:ext cx="4853353" cy="2862322"/>
+          </a:xfrm>
+          <a:prstGeom prst="rect">
+            <a:avLst/>
+          </a:prstGeom>
+          <a:noFill/>
+        </p:spPr>
+        <p:txBody>
+          <a:bodyPr wrap="square" rtlCol="0">
+            <a:spAutoFit/>
+          </a:bodyPr>
+          <a:lstStyle/>
+          <a:p>
+            <a:r>
+              <a:rPr lang="en-US" sz="6000" dirty="0" smtClean="0"/>
+              <a:t>CODE PLAGIARISM DETECTOR</a:t>
+            </a:r>
+            <a:endParaRPr lang="en-US" sz="6000" dirty="0"/>
+          </a:p>
+        </p:txBody>
+      </p:sp>
+      <p:sp>
+        <p:nvSpPr>
+          <p:cNvPr id="3" name="Flowchart: Data 2"/>
+          <p:cNvSpPr/>
+          <p:nvPr/>
+        </p:nvSpPr>
+        <p:spPr>
+          <a:xfrm>
+            <a:off x="0" y="1875692"/>
+            <a:ext cx="5873261" cy="2672862"/>
+          </a:xfrm>
+          <a:prstGeom prst="flowChartInputOutput">
+            <a:avLst/>
+          </a:prstGeom>
+          <a:noFill/>
+          <a:ln>
+            <a:solidFill>
+              <a:schemeClr val="tx1"/>
+            </a:solidFill>
+          </a:ln>
+        </p:spPr>
+        <p:style>
+          <a:lnRef idx="2">
+            <a:schemeClr val="accent1">
+              <a:shade val="50000"/>
+            </a:schemeClr>
+          </a:lnRef>
+          <a:fillRef idx="1">
+            <a:schemeClr val="accent1"/>
+          </a:fillRef>
+          <a:effectRef idx="0">
+            <a:schemeClr val="accent1"/>
+          </a:effectRef>
+          <a:fontRef idx="minor">
+            <a:schemeClr val="lt1"/>
+          </a:fontRef>
+        </p:style>
+        <p:txBody>
+          <a:bodyPr rtlCol="0" anchor="ctr"/>
+          <a:lstStyle/>
+          <a:p>
+            <a:pPr algn="ctr"/>
+            <a:endParaRPr lang="en-US"/>
+          </a:p>
+        </p:txBody>
+      </p:sp>
+      <p:sp>
+        <p:nvSpPr>
+          <p:cNvPr id="4" name="TextBox 3"/>
+          <p:cNvSpPr txBox="1"/>
+          <p:nvPr/>
+        </p:nvSpPr>
+        <p:spPr>
+          <a:xfrm>
+            <a:off x="7033846" y="2180492"/>
+            <a:ext cx="4900246" cy="584775"/>
+          </a:xfrm>
+          <a:prstGeom prst="rect">
+            <a:avLst/>
+          </a:prstGeom>
+          <a:noFill/>
+        </p:spPr>
+        <p:txBody>
+          <a:bodyPr wrap="square" rtlCol="0">
+            <a:spAutoFit/>
+          </a:bodyPr>
+          <a:lstStyle/>
+          <a:p>
+            <a:r>
+              <a:rPr lang="en-US" sz="3200" b="1" u="sng" dirty="0" smtClean="0"/>
+              <a:t>NAME</a:t>
+            </a:r>
+            <a:r>
+              <a:rPr lang="en-US" sz="3200" dirty="0" smtClean="0"/>
+              <a:t> : Saad </a:t>
+            </a:r>
+            <a:r>
+              <a:rPr lang="en-US" sz="3200" dirty="0" err="1" smtClean="0"/>
+              <a:t>Sakib</a:t>
+            </a:r>
+            <a:r>
+              <a:rPr lang="en-US" sz="3200" dirty="0" smtClean="0"/>
+              <a:t> Noor</a:t>
+            </a:r>
+            <a:endParaRPr lang="en-US" sz="3200" b="1" u="sng" dirty="0"/>
+          </a:p>
+        </p:txBody>
+      </p:sp>
+      <p:sp>
+        <p:nvSpPr>
+          <p:cNvPr id="9" name="TextBox 8"/>
+          <p:cNvSpPr txBox="1"/>
+          <p:nvPr/>
+        </p:nvSpPr>
+        <p:spPr>
+          <a:xfrm>
+            <a:off x="6705599" y="3018167"/>
+            <a:ext cx="4900246" cy="584775"/>
+          </a:xfrm>
+          <a:prstGeom prst="rect">
+            <a:avLst/>
+          </a:prstGeom>
+          <a:noFill/>
+        </p:spPr>
+        <p:txBody>
+          <a:bodyPr wrap="square" rtlCol="0">
+            <a:spAutoFit/>
+          </a:bodyPr>
+          <a:lstStyle/>
+          <a:p>
+            <a:r>
+              <a:rPr lang="en-US" sz="3200" b="1" u="sng" dirty="0" smtClean="0"/>
+              <a:t>ROLL</a:t>
+            </a:r>
+            <a:r>
+              <a:rPr lang="en-US" sz="3200" dirty="0" smtClean="0"/>
+              <a:t> : BSSE 1122</a:t>
+            </a:r>
+            <a:endParaRPr lang="en-US" sz="3200" b="1" u="sng" dirty="0"/>
+          </a:p>
+        </p:txBody>
+      </p:sp>
+      <p:sp>
+        <p:nvSpPr>
+          <p:cNvPr id="12" name="TextBox 11"/>
+          <p:cNvSpPr txBox="1"/>
+          <p:nvPr/>
+        </p:nvSpPr>
+        <p:spPr>
+          <a:xfrm>
+            <a:off x="6266055" y="3869813"/>
+            <a:ext cx="6031453" cy="584775"/>
+          </a:xfrm>
+          <a:prstGeom prst="rect">
+            <a:avLst/>
+          </a:prstGeom>
+          <a:noFill/>
+        </p:spPr>
+        <p:txBody>
+          <a:bodyPr wrap="square" rtlCol="0">
+            <a:spAutoFit/>
+          </a:bodyPr>
+          <a:lstStyle/>
+          <a:p>
+            <a:r>
+              <a:rPr lang="en-US" sz="3200" b="1" u="sng" dirty="0" smtClean="0"/>
+              <a:t>SUPERVISOR</a:t>
+            </a:r>
+            <a:r>
+              <a:rPr lang="en-US" sz="3200" dirty="0" smtClean="0"/>
+              <a:t> : Md. Saeed Siddique</a:t>
+            </a:r>
+            <a:endParaRPr lang="en-US" sz="3200" b="1" u="sng" dirty="0"/>
+          </a:p>
+        </p:txBody>
+      </p:sp>
+      <p:sp>
+        <p:nvSpPr>
+          <p:cNvPr id="6" name="Slide Number Placeholder 5"/>
+          <p:cNvSpPr>
+            <a:spLocks noGrp="1"/>
+          </p:cNvSpPr>
+          <p:nvPr>
+            <p:ph type="sldNum" sz="quarter" idx="12"/>
+          </p:nvPr>
+        </p:nvSpPr>
+        <p:spPr/>
+        <p:txBody>
+          <a:bodyPr/>
+          <a:lstStyle/>
+          <a:p>
+            <a:fld id="{9804BE0E-F921-4A2B-9E23-40BE2FAE6C3B}" type="slidenum">
+              <a:rPr lang="en-US" smtClean="0"/>
+              <a:t>1</a:t>
+            </a:fld>
+            <a:endParaRPr lang="en-US"/>
+          </a:p>
+        </p:txBody>
+      </p:sp>
+      <p:sp>
+        <p:nvSpPr>
+          <p:cNvPr id="8" name="TextBox 7"/>
+          <p:cNvSpPr txBox="1"/>
+          <p:nvPr/>
+        </p:nvSpPr>
+        <p:spPr>
+          <a:xfrm>
+            <a:off x="0" y="0"/>
+            <a:ext cx="1019908" cy="338554"/>
+          </a:xfrm>
+          <a:prstGeom prst="rect">
+            <a:avLst/>
+          </a:prstGeom>
+          <a:noFill/>
+        </p:spPr>
+        <p:txBody>
+          <a:bodyPr wrap="square" rtlCol="0">
+            <a:spAutoFit/>
+          </a:bodyPr>
+          <a:lstStyle/>
+          <a:p>
+            <a:r>
+              <a:rPr lang="en-US" sz="1600" dirty="0" smtClean="0"/>
+              <a:t>Slide : 1</a:t>
+            </a:r>
+            <a:endParaRPr lang="en-US" sz="1600" dirty="0"/>
+          </a:p>
+        </p:txBody>
+      </p:sp>
+    </p:spTree>
+    <p:extLst>
+      <p:ext uri="{BB962C8B-B14F-4D97-AF65-F5344CB8AC3E}">
+        <p14:creationId xmlns:p14="http://schemas.microsoft.com/office/powerpoint/2010/main" val="3422509933"/>
+      </p:ext>
+    </p:extLst>
+  </p:cSld>
+  <p:clrMapOvr>
+    <a:masterClrMapping/>
+  </p:clrMapOvr>
+  <p:timing>
+    <p:tnLst>
+      <p:par>
+        <p:cTn id="1" dur="indefinite" restart="never" nodeType="tmRoot"/>
+      </p:par>
+    </p:tnLst>
+  </p:timing>
+</p:sld>
+</file>
+
+<file path=ppt/slides/slide10.xml><?xml version="1.0" encoding="utf-8"?>
+<p:sld xmlns:a="http://schemas.openxmlformats.org/drawingml/2006/main" xmlns:r="http://schemas.openxmlformats.org/officeDocument/2006/relationships" xmlns:p="http://schemas.openxmlformats.org/presentationml/2006/main">
+  <p:cSld>
+    <p:spTree>
+      <p:nvGrpSpPr>
+        <p:cNvPr id="1" name=""/>
+        <p:cNvGrpSpPr/>
+        <p:nvPr/>
+      </p:nvGrpSpPr>
+      <p:grpSpPr>
+        <a:xfrm>
+          <a:off x="0" y="0"/>
+          <a:ext cx="0" cy="0"/>
+          <a:chOff x="0" y="0"/>
+          <a:chExt cx="0" cy="0"/>
+        </a:xfrm>
+      </p:grpSpPr>
+      <p:sp>
+        <p:nvSpPr>
+          <p:cNvPr id="7" name="Rectangle 6"/>
+          <p:cNvSpPr/>
+          <p:nvPr/>
+        </p:nvSpPr>
+        <p:spPr>
+          <a:xfrm>
+            <a:off x="0" y="0"/>
+            <a:ext cx="1219200" cy="6858000"/>
+          </a:xfrm>
+          <a:prstGeom prst="rect">
+            <a:avLst/>
+          </a:prstGeom>
+          <a:solidFill>
+            <a:schemeClr val="accent2">
+              <a:lumMod val="60000"/>
+              <a:lumOff val="40000"/>
+            </a:schemeClr>
+          </a:solidFill>
+          <a:ln>
+            <a:noFill/>
+          </a:ln>
+        </p:spPr>
+        <p:style>
+          <a:lnRef idx="2">
+            <a:schemeClr val="accent1">
+              <a:shade val="50000"/>
+            </a:schemeClr>
+          </a:lnRef>
+          <a:fillRef idx="1">
+            <a:schemeClr val="accent1"/>
+          </a:fillRef>
+          <a:effectRef idx="0">
+            <a:schemeClr val="accent1"/>
+          </a:effectRef>
+          <a:fontRef idx="minor">
+            <a:schemeClr val="lt1"/>
+          </a:fontRef>
+        </p:style>
+        <p:txBody>
+          <a:bodyPr rtlCol="0" anchor="ctr"/>
+          <a:lstStyle/>
+          <a:p>
+            <a:pPr algn="ctr"/>
+            <a:endParaRPr lang="en-US" dirty="0" smtClean="0"/>
+          </a:p>
+        </p:txBody>
+      </p:sp>
+      <p:sp>
+        <p:nvSpPr>
+          <p:cNvPr id="10" name="Rectangle 9"/>
+          <p:cNvSpPr/>
+          <p:nvPr/>
+        </p:nvSpPr>
+        <p:spPr>
+          <a:xfrm>
+            <a:off x="1219200" y="6544019"/>
+            <a:ext cx="10972800" cy="88135"/>
+          </a:xfrm>
+          <a:prstGeom prst="rect">
+            <a:avLst/>
+          </a:prstGeom>
+          <a:solidFill>
+            <a:schemeClr val="accent2">
+              <a:lumMod val="50000"/>
+            </a:schemeClr>
+          </a:solidFill>
+          <a:effectLst>
+            <a:outerShdw blurRad="50800" dist="38100" dir="16200000" rotWithShape="0">
+              <a:prstClr val="black">
+                <a:alpha val="40000"/>
+              </a:prstClr>
+            </a:outerShdw>
+          </a:effectLst>
+        </p:spPr>
+        <p:style>
+          <a:lnRef idx="2">
+            <a:schemeClr val="accent1">
+              <a:shade val="50000"/>
+            </a:schemeClr>
+          </a:lnRef>
+          <a:fillRef idx="1">
+            <a:schemeClr val="accent1"/>
+          </a:fillRef>
+          <a:effectRef idx="0">
+            <a:schemeClr val="accent1"/>
+          </a:effectRef>
+          <a:fontRef idx="minor">
+            <a:schemeClr val="lt1"/>
+          </a:fontRef>
+        </p:style>
+        <p:txBody>
+          <a:bodyPr rtlCol="0" anchor="ctr"/>
+          <a:lstStyle/>
+          <a:p>
+            <a:pPr algn="ctr"/>
+            <a:endParaRPr lang="en-US"/>
+          </a:p>
+        </p:txBody>
+      </p:sp>
+      <p:sp>
+        <p:nvSpPr>
+          <p:cNvPr id="11" name="Rectangle 10"/>
+          <p:cNvSpPr/>
+          <p:nvPr/>
+        </p:nvSpPr>
+        <p:spPr>
+          <a:xfrm>
+            <a:off x="1219200" y="6632154"/>
+            <a:ext cx="10972800" cy="225846"/>
+          </a:xfrm>
+          <a:prstGeom prst="rect">
+            <a:avLst/>
+          </a:prstGeom>
+          <a:solidFill>
+            <a:schemeClr val="accent2">
+              <a:lumMod val="75000"/>
+            </a:schemeClr>
+          </a:solidFill>
+          <a:ln>
+            <a:noFill/>
+          </a:ln>
+          <a:effectLst>
+            <a:outerShdw blurRad="50800" dist="38100" dir="16200000" rotWithShape="0">
+              <a:prstClr val="black">
+                <a:alpha val="40000"/>
+              </a:prstClr>
+            </a:outerShdw>
+          </a:effectLst>
+        </p:spPr>
+        <p:style>
+          <a:lnRef idx="2">
+            <a:schemeClr val="accent1">
+              <a:shade val="50000"/>
+            </a:schemeClr>
+          </a:lnRef>
+          <a:fillRef idx="1">
+            <a:schemeClr val="accent1"/>
+          </a:fillRef>
+          <a:effectRef idx="0">
+            <a:schemeClr val="accent1"/>
+          </a:effectRef>
+          <a:fontRef idx="minor">
+            <a:schemeClr val="lt1"/>
+          </a:fontRef>
+        </p:style>
+        <p:txBody>
+          <a:bodyPr rtlCol="0" anchor="ctr"/>
+          <a:lstStyle/>
+          <a:p>
+            <a:pPr algn="ctr"/>
+            <a:endParaRPr lang="en-US"/>
+          </a:p>
+        </p:txBody>
+      </p:sp>
+      <p:sp>
+        <p:nvSpPr>
+          <p:cNvPr id="13" name="Flowchart: Data 12"/>
+          <p:cNvSpPr/>
+          <p:nvPr/>
+        </p:nvSpPr>
+        <p:spPr>
+          <a:xfrm>
+            <a:off x="-638978" y="583894"/>
+            <a:ext cx="3216925" cy="627962"/>
+          </a:xfrm>
+          <a:prstGeom prst="flowChartInputOutput">
+            <a:avLst/>
+          </a:prstGeom>
+          <a:solidFill>
+            <a:schemeClr val="accent2">
+              <a:lumMod val="40000"/>
+              <a:lumOff val="60000"/>
+            </a:schemeClr>
+          </a:solidFill>
+          <a:ln>
+            <a:noFill/>
+          </a:ln>
+          <a:effectLst>
+            <a:outerShdw blurRad="50800" dist="38100" dir="2700000" algn="tl" rotWithShape="0">
+              <a:prstClr val="black">
+                <a:alpha val="40000"/>
+              </a:prstClr>
+            </a:outerShdw>
+          </a:effectLst>
+        </p:spPr>
+        <p:style>
+          <a:lnRef idx="2">
+            <a:schemeClr val="accent1">
+              <a:shade val="50000"/>
+            </a:schemeClr>
+          </a:lnRef>
+          <a:fillRef idx="1">
+            <a:schemeClr val="accent1"/>
+          </a:fillRef>
+          <a:effectRef idx="0">
+            <a:schemeClr val="accent1"/>
+          </a:effectRef>
+          <a:fontRef idx="minor">
+            <a:schemeClr val="lt1"/>
+          </a:fontRef>
+        </p:style>
+        <p:txBody>
+          <a:bodyPr rtlCol="0" anchor="ctr"/>
+          <a:lstStyle/>
+          <a:p>
+            <a:pPr algn="ctr"/>
+            <a:endParaRPr lang="en-US"/>
+          </a:p>
+        </p:txBody>
+      </p:sp>
+      <p:sp>
+        <p:nvSpPr>
+          <p:cNvPr id="2" name="Slide Number Placeholder 1"/>
+          <p:cNvSpPr>
+            <a:spLocks noGrp="1"/>
+          </p:cNvSpPr>
+          <p:nvPr>
+            <p:ph type="sldNum" sz="quarter" idx="12"/>
+          </p:nvPr>
+        </p:nvSpPr>
+        <p:spPr/>
+        <p:txBody>
+          <a:bodyPr/>
+          <a:lstStyle/>
+          <a:p>
+            <a:fld id="{9804BE0E-F921-4A2B-9E23-40BE2FAE6C3B}" type="slidenum">
+              <a:rPr lang="en-US" smtClean="0"/>
+              <a:t>10</a:t>
+            </a:fld>
+            <a:endParaRPr lang="en-US"/>
+          </a:p>
+        </p:txBody>
+      </p:sp>
+    </p:spTree>
+    <p:extLst>
+      <p:ext uri="{BB962C8B-B14F-4D97-AF65-F5344CB8AC3E}">
+        <p14:creationId xmlns:p14="http://schemas.microsoft.com/office/powerpoint/2010/main" val="3709443935"/>
+      </p:ext>
+    </p:extLst>
+  </p:cSld>
+  <p:clrMapOvr>
+    <a:masterClrMapping/>
+  </p:clrMapOvr>
+  <p:timing>
+    <p:tnLst>
+      <p:par>
+        <p:cTn id="1" dur="indefinite" restart="never" nodeType="tmRoot"/>
+      </p:par>
+    </p:tnLst>
+  </p:timing>
+</p:sld>
+</file>
+
+<file path=ppt/slides/slide11.xml><?xml version="1.0" encoding="utf-8"?>
+<p:sld xmlns:a="http://schemas.openxmlformats.org/drawingml/2006/main" xmlns:r="http://schemas.openxmlformats.org/officeDocument/2006/relationships" xmlns:p="http://schemas.openxmlformats.org/presentationml/2006/main">
+  <p:cSld>
+    <p:spTree>
+      <p:nvGrpSpPr>
+        <p:cNvPr id="1" name=""/>
+        <p:cNvGrpSpPr/>
+        <p:nvPr/>
+      </p:nvGrpSpPr>
+      <p:grpSpPr>
+        <a:xfrm>
+          <a:off x="0" y="0"/>
+          <a:ext cx="0" cy="0"/>
+          <a:chOff x="0" y="0"/>
+          <a:chExt cx="0" cy="0"/>
+        </a:xfrm>
+      </p:grpSpPr>
+      <p:sp>
+        <p:nvSpPr>
+          <p:cNvPr id="7" name="Rectangle 6"/>
+          <p:cNvSpPr/>
+          <p:nvPr/>
+        </p:nvSpPr>
+        <p:spPr>
+          <a:xfrm>
+            <a:off x="0" y="0"/>
+            <a:ext cx="1219200" cy="6858000"/>
+          </a:xfrm>
+          <a:prstGeom prst="rect">
+            <a:avLst/>
+          </a:prstGeom>
+          <a:solidFill>
+            <a:schemeClr val="accent2">
+              <a:lumMod val="60000"/>
+              <a:lumOff val="40000"/>
+            </a:schemeClr>
+          </a:solidFill>
+          <a:ln>
+            <a:noFill/>
+          </a:ln>
+        </p:spPr>
+        <p:style>
+          <a:lnRef idx="2">
+            <a:schemeClr val="accent1">
+              <a:shade val="50000"/>
+            </a:schemeClr>
+          </a:lnRef>
+          <a:fillRef idx="1">
+            <a:schemeClr val="accent1"/>
+          </a:fillRef>
+          <a:effectRef idx="0">
+            <a:schemeClr val="accent1"/>
+          </a:effectRef>
+          <a:fontRef idx="minor">
+            <a:schemeClr val="lt1"/>
+          </a:fontRef>
+        </p:style>
+        <p:txBody>
+          <a:bodyPr rtlCol="0" anchor="ctr"/>
+          <a:lstStyle/>
+          <a:p>
+            <a:pPr algn="ctr"/>
+            <a:endParaRPr lang="en-US" dirty="0" smtClean="0"/>
+          </a:p>
+        </p:txBody>
+      </p:sp>
+      <p:sp>
+        <p:nvSpPr>
+          <p:cNvPr id="10" name="Rectangle 9"/>
+          <p:cNvSpPr/>
+          <p:nvPr/>
+        </p:nvSpPr>
+        <p:spPr>
+          <a:xfrm>
+            <a:off x="1219200" y="6544019"/>
+            <a:ext cx="10972800" cy="88135"/>
+          </a:xfrm>
+          <a:prstGeom prst="rect">
+            <a:avLst/>
+          </a:prstGeom>
+          <a:solidFill>
+            <a:schemeClr val="accent2">
+              <a:lumMod val="50000"/>
+            </a:schemeClr>
+          </a:solidFill>
+          <a:effectLst>
+            <a:outerShdw blurRad="50800" dist="38100" dir="16200000" rotWithShape="0">
+              <a:prstClr val="black">
+                <a:alpha val="40000"/>
+              </a:prstClr>
+            </a:outerShdw>
+          </a:effectLst>
+        </p:spPr>
+        <p:style>
+          <a:lnRef idx="2">
+            <a:schemeClr val="accent1">
+              <a:shade val="50000"/>
+            </a:schemeClr>
+          </a:lnRef>
+          <a:fillRef idx="1">
+            <a:schemeClr val="accent1"/>
+          </a:fillRef>
+          <a:effectRef idx="0">
+            <a:schemeClr val="accent1"/>
+          </a:effectRef>
+          <a:fontRef idx="minor">
+            <a:schemeClr val="lt1"/>
+          </a:fontRef>
+        </p:style>
+        <p:txBody>
+          <a:bodyPr rtlCol="0" anchor="ctr"/>
+          <a:lstStyle/>
+          <a:p>
+            <a:pPr algn="ctr"/>
+            <a:endParaRPr lang="en-US"/>
+          </a:p>
+        </p:txBody>
+      </p:sp>
+      <p:sp>
+        <p:nvSpPr>
+          <p:cNvPr id="11" name="Rectangle 10"/>
+          <p:cNvSpPr/>
+          <p:nvPr/>
+        </p:nvSpPr>
+        <p:spPr>
+          <a:xfrm>
+            <a:off x="1219200" y="6632154"/>
+            <a:ext cx="10972800" cy="225846"/>
+          </a:xfrm>
+          <a:prstGeom prst="rect">
+            <a:avLst/>
+          </a:prstGeom>
+          <a:solidFill>
+            <a:schemeClr val="accent2">
+              <a:lumMod val="75000"/>
+            </a:schemeClr>
+          </a:solidFill>
+          <a:ln>
+            <a:noFill/>
+          </a:ln>
+          <a:effectLst>
+            <a:outerShdw blurRad="50800" dist="38100" dir="16200000" rotWithShape="0">
+              <a:prstClr val="black">
+                <a:alpha val="40000"/>
+              </a:prstClr>
+            </a:outerShdw>
+          </a:effectLst>
+        </p:spPr>
+        <p:style>
+          <a:lnRef idx="2">
+            <a:schemeClr val="accent1">
+              <a:shade val="50000"/>
+            </a:schemeClr>
+          </a:lnRef>
+          <a:fillRef idx="1">
+            <a:schemeClr val="accent1"/>
+          </a:fillRef>
+          <a:effectRef idx="0">
+            <a:schemeClr val="accent1"/>
+          </a:effectRef>
+          <a:fontRef idx="minor">
+            <a:schemeClr val="lt1"/>
+          </a:fontRef>
+        </p:style>
+        <p:txBody>
+          <a:bodyPr rtlCol="0" anchor="ctr"/>
+          <a:lstStyle/>
+          <a:p>
+            <a:pPr algn="ctr"/>
+            <a:endParaRPr lang="en-US"/>
+          </a:p>
+        </p:txBody>
+      </p:sp>
+      <p:sp>
+        <p:nvSpPr>
+          <p:cNvPr id="13" name="Flowchart: Data 12"/>
+          <p:cNvSpPr/>
+          <p:nvPr/>
+        </p:nvSpPr>
+        <p:spPr>
+          <a:xfrm>
+            <a:off x="-638978" y="583894"/>
+            <a:ext cx="3216925" cy="627962"/>
+          </a:xfrm>
+          <a:prstGeom prst="flowChartInputOutput">
+            <a:avLst/>
+          </a:prstGeom>
+          <a:solidFill>
+            <a:schemeClr val="accent2">
+              <a:lumMod val="40000"/>
+              <a:lumOff val="60000"/>
+            </a:schemeClr>
+          </a:solidFill>
+          <a:ln>
+            <a:noFill/>
+          </a:ln>
+          <a:effectLst>
+            <a:outerShdw blurRad="50800" dist="38100" dir="2700000" algn="tl" rotWithShape="0">
+              <a:prstClr val="black">
+                <a:alpha val="40000"/>
+              </a:prstClr>
+            </a:outerShdw>
+          </a:effectLst>
+        </p:spPr>
+        <p:style>
+          <a:lnRef idx="2">
+            <a:schemeClr val="accent1">
+              <a:shade val="50000"/>
+            </a:schemeClr>
+          </a:lnRef>
+          <a:fillRef idx="1">
+            <a:schemeClr val="accent1"/>
+          </a:fillRef>
+          <a:effectRef idx="0">
+            <a:schemeClr val="accent1"/>
+          </a:effectRef>
+          <a:fontRef idx="minor">
+            <a:schemeClr val="lt1"/>
+          </a:fontRef>
+        </p:style>
+        <p:txBody>
+          <a:bodyPr rtlCol="0" anchor="ctr"/>
+          <a:lstStyle/>
+          <a:p>
+            <a:pPr algn="ctr"/>
+            <a:endParaRPr lang="en-US"/>
+          </a:p>
+        </p:txBody>
+      </p:sp>
+      <p:sp>
+        <p:nvSpPr>
+          <p:cNvPr id="2" name="Slide Number Placeholder 1"/>
+          <p:cNvSpPr>
+            <a:spLocks noGrp="1"/>
+          </p:cNvSpPr>
+          <p:nvPr>
+            <p:ph type="sldNum" sz="quarter" idx="12"/>
+          </p:nvPr>
+        </p:nvSpPr>
+        <p:spPr/>
+        <p:txBody>
+          <a:bodyPr/>
+          <a:lstStyle/>
+          <a:p>
+            <a:fld id="{9804BE0E-F921-4A2B-9E23-40BE2FAE6C3B}" type="slidenum">
+              <a:rPr lang="en-US" smtClean="0"/>
+              <a:t>11</a:t>
+            </a:fld>
+            <a:endParaRPr lang="en-US"/>
+          </a:p>
+        </p:txBody>
+      </p:sp>
+    </p:spTree>
+    <p:extLst>
+      <p:ext uri="{BB962C8B-B14F-4D97-AF65-F5344CB8AC3E}">
+        <p14:creationId xmlns:p14="http://schemas.microsoft.com/office/powerpoint/2010/main" val="3862784697"/>
+      </p:ext>
+    </p:extLst>
+  </p:cSld>
+  <p:clrMapOvr>
+    <a:masterClrMapping/>
+  </p:clrMapOvr>
+  <p:timing>
+    <p:tnLst>
+      <p:par>
+        <p:cTn id="1" dur="indefinite" restart="never" nodeType="tmRoot"/>
+      </p:par>
+    </p:tnLst>
+  </p:timing>
+</p:sld>
+</file>
+
+<file path=ppt/slides/slide12.xml><?xml version="1.0" encoding="utf-8"?>
+<p:sld xmlns:a="http://schemas.openxmlformats.org/drawingml/2006/main" xmlns:r="http://schemas.openxmlformats.org/officeDocument/2006/relationships" xmlns:p="http://schemas.openxmlformats.org/presentationml/2006/main">
+  <p:cSld>
+    <p:spTree>
+      <p:nvGrpSpPr>
+        <p:cNvPr id="1" name=""/>
+        <p:cNvGrpSpPr/>
+        <p:nvPr/>
+      </p:nvGrpSpPr>
+      <p:grpSpPr>
+        <a:xfrm>
+          <a:off x="0" y="0"/>
+          <a:ext cx="0" cy="0"/>
+          <a:chOff x="0" y="0"/>
+          <a:chExt cx="0" cy="0"/>
+        </a:xfrm>
+      </p:grpSpPr>
+      <p:sp>
+        <p:nvSpPr>
+          <p:cNvPr id="7" name="Rectangle 6"/>
+          <p:cNvSpPr/>
+          <p:nvPr/>
+        </p:nvSpPr>
+        <p:spPr>
+          <a:xfrm>
+            <a:off x="0" y="0"/>
+            <a:ext cx="1219200" cy="6858000"/>
+          </a:xfrm>
+          <a:prstGeom prst="rect">
+            <a:avLst/>
+          </a:prstGeom>
+          <a:solidFill>
+            <a:schemeClr val="accent2">
+              <a:lumMod val="60000"/>
+              <a:lumOff val="40000"/>
+            </a:schemeClr>
+          </a:solidFill>
+          <a:ln>
+            <a:noFill/>
+          </a:ln>
+        </p:spPr>
+        <p:style>
+          <a:lnRef idx="2">
+            <a:schemeClr val="accent1">
+              <a:shade val="50000"/>
+            </a:schemeClr>
+          </a:lnRef>
+          <a:fillRef idx="1">
+            <a:schemeClr val="accent1"/>
+          </a:fillRef>
+          <a:effectRef idx="0">
+            <a:schemeClr val="accent1"/>
+          </a:effectRef>
+          <a:fontRef idx="minor">
+            <a:schemeClr val="lt1"/>
+          </a:fontRef>
+        </p:style>
+        <p:txBody>
+          <a:bodyPr rtlCol="0" anchor="ctr"/>
+          <a:lstStyle/>
+          <a:p>
+            <a:pPr algn="ctr"/>
+            <a:endParaRPr lang="en-US" dirty="0" smtClean="0"/>
+          </a:p>
+        </p:txBody>
+      </p:sp>
+      <p:sp>
+        <p:nvSpPr>
+          <p:cNvPr id="10" name="Rectangle 9"/>
+          <p:cNvSpPr/>
+          <p:nvPr/>
+        </p:nvSpPr>
+        <p:spPr>
+          <a:xfrm>
+            <a:off x="1219200" y="6544019"/>
+            <a:ext cx="10972800" cy="88135"/>
+          </a:xfrm>
+          <a:prstGeom prst="rect">
+            <a:avLst/>
+          </a:prstGeom>
+          <a:solidFill>
+            <a:schemeClr val="accent2">
+              <a:lumMod val="50000"/>
+            </a:schemeClr>
+          </a:solidFill>
+          <a:effectLst>
+            <a:outerShdw blurRad="50800" dist="38100" dir="16200000" rotWithShape="0">
+              <a:prstClr val="black">
+                <a:alpha val="40000"/>
+              </a:prstClr>
+            </a:outerShdw>
+          </a:effectLst>
+        </p:spPr>
+        <p:style>
+          <a:lnRef idx="2">
+            <a:schemeClr val="accent1">
+              <a:shade val="50000"/>
+            </a:schemeClr>
+          </a:lnRef>
+          <a:fillRef idx="1">
+            <a:schemeClr val="accent1"/>
+          </a:fillRef>
+          <a:effectRef idx="0">
+            <a:schemeClr val="accent1"/>
+          </a:effectRef>
+          <a:fontRef idx="minor">
+            <a:schemeClr val="lt1"/>
+          </a:fontRef>
+        </p:style>
+        <p:txBody>
+          <a:bodyPr rtlCol="0" anchor="ctr"/>
+          <a:lstStyle/>
+          <a:p>
+            <a:pPr algn="ctr"/>
+            <a:endParaRPr lang="en-US"/>
+          </a:p>
+        </p:txBody>
+      </p:sp>
+      <p:sp>
+        <p:nvSpPr>
+          <p:cNvPr id="11" name="Rectangle 10"/>
+          <p:cNvSpPr/>
+          <p:nvPr/>
+        </p:nvSpPr>
+        <p:spPr>
+          <a:xfrm>
+            <a:off x="1219200" y="6632154"/>
+            <a:ext cx="10972800" cy="225846"/>
+          </a:xfrm>
+          <a:prstGeom prst="rect">
+            <a:avLst/>
+          </a:prstGeom>
+          <a:solidFill>
+            <a:schemeClr val="accent2">
+              <a:lumMod val="75000"/>
+            </a:schemeClr>
+          </a:solidFill>
+          <a:ln>
+            <a:noFill/>
+          </a:ln>
+          <a:effectLst>
+            <a:outerShdw blurRad="50800" dist="38100" dir="16200000" rotWithShape="0">
+              <a:prstClr val="black">
+                <a:alpha val="40000"/>
+              </a:prstClr>
+            </a:outerShdw>
+          </a:effectLst>
+        </p:spPr>
+        <p:style>
+          <a:lnRef idx="2">
+            <a:schemeClr val="accent1">
+              <a:shade val="50000"/>
+            </a:schemeClr>
+          </a:lnRef>
+          <a:fillRef idx="1">
+            <a:schemeClr val="accent1"/>
+          </a:fillRef>
+          <a:effectRef idx="0">
+            <a:schemeClr val="accent1"/>
+          </a:effectRef>
+          <a:fontRef idx="minor">
+            <a:schemeClr val="lt1"/>
+          </a:fontRef>
+        </p:style>
+        <p:txBody>
+          <a:bodyPr rtlCol="0" anchor="ctr"/>
+          <a:lstStyle/>
+          <a:p>
+            <a:pPr algn="ctr"/>
+            <a:endParaRPr lang="en-US"/>
+          </a:p>
+        </p:txBody>
+      </p:sp>
+      <p:sp>
+        <p:nvSpPr>
+          <p:cNvPr id="13" name="Flowchart: Data 12"/>
+          <p:cNvSpPr/>
+          <p:nvPr/>
+        </p:nvSpPr>
+        <p:spPr>
+          <a:xfrm>
+            <a:off x="-638978" y="583894"/>
+            <a:ext cx="3216925" cy="627962"/>
+          </a:xfrm>
+          <a:prstGeom prst="flowChartInputOutput">
+            <a:avLst/>
+          </a:prstGeom>
+          <a:solidFill>
+            <a:schemeClr val="accent2">
+              <a:lumMod val="40000"/>
+              <a:lumOff val="60000"/>
+            </a:schemeClr>
+          </a:solidFill>
+          <a:ln>
+            <a:noFill/>
+          </a:ln>
+          <a:effectLst>
+            <a:outerShdw blurRad="50800" dist="38100" dir="2700000" algn="tl" rotWithShape="0">
+              <a:prstClr val="black">
+                <a:alpha val="40000"/>
+              </a:prstClr>
+            </a:outerShdw>
+          </a:effectLst>
+        </p:spPr>
+        <p:style>
+          <a:lnRef idx="2">
+            <a:schemeClr val="accent1">
+              <a:shade val="50000"/>
+            </a:schemeClr>
+          </a:lnRef>
+          <a:fillRef idx="1">
+            <a:schemeClr val="accent1"/>
+          </a:fillRef>
+          <a:effectRef idx="0">
+            <a:schemeClr val="accent1"/>
+          </a:effectRef>
+          <a:fontRef idx="minor">
+            <a:schemeClr val="lt1"/>
+          </a:fontRef>
+        </p:style>
+        <p:txBody>
+          <a:bodyPr rtlCol="0" anchor="ctr"/>
+          <a:lstStyle/>
+          <a:p>
+            <a:pPr algn="ctr"/>
+            <a:endParaRPr lang="en-US"/>
+          </a:p>
+        </p:txBody>
+      </p:sp>
+      <p:sp>
+        <p:nvSpPr>
+          <p:cNvPr id="2" name="Slide Number Placeholder 1"/>
+          <p:cNvSpPr>
+            <a:spLocks noGrp="1"/>
+          </p:cNvSpPr>
+          <p:nvPr>
+            <p:ph type="sldNum" sz="quarter" idx="12"/>
+          </p:nvPr>
+        </p:nvSpPr>
+        <p:spPr/>
+        <p:txBody>
+          <a:bodyPr/>
+          <a:lstStyle/>
+          <a:p>
+            <a:fld id="{9804BE0E-F921-4A2B-9E23-40BE2FAE6C3B}" type="slidenum">
+              <a:rPr lang="en-US" smtClean="0"/>
+              <a:t>12</a:t>
+            </a:fld>
+            <a:endParaRPr lang="en-US"/>
+          </a:p>
+        </p:txBody>
+      </p:sp>
+    </p:spTree>
+    <p:extLst>
+      <p:ext uri="{BB962C8B-B14F-4D97-AF65-F5344CB8AC3E}">
+        <p14:creationId xmlns:p14="http://schemas.microsoft.com/office/powerpoint/2010/main" val="1824436499"/>
+      </p:ext>
+    </p:extLst>
+  </p:cSld>
+  <p:clrMapOvr>
+    <a:masterClrMapping/>
+  </p:clrMapOvr>
+  <p:timing>
+    <p:tnLst>
+      <p:par>
+        <p:cTn id="1" dur="indefinite" restart="never" nodeType="tmRoot"/>
+      </p:par>
+    </p:tnLst>
+  </p:timing>
+</p:sld>
+</file>
+
+<file path=ppt/slides/slide2.xml><?xml version="1.0" encoding="utf-8"?>
+<p:sld xmlns:a="http://schemas.openxmlformats.org/drawingml/2006/main" xmlns:r="http://schemas.openxmlformats.org/officeDocument/2006/relationships" xmlns:p="http://schemas.openxmlformats.org/presentationml/2006/main">
+  <p:cSld>
+    <p:spTree>
+      <p:nvGrpSpPr>
+        <p:cNvPr id="1" name=""/>
+        <p:cNvGrpSpPr/>
+        <p:nvPr/>
+      </p:nvGrpSpPr>
+      <p:grpSpPr>
+        <a:xfrm>
+          <a:off x="0" y="0"/>
+          <a:ext cx="0" cy="0"/>
+          <a:chOff x="0" y="0"/>
+          <a:chExt cx="0" cy="0"/>
+        </a:xfrm>
+      </p:grpSpPr>
+      <p:sp>
+        <p:nvSpPr>
+          <p:cNvPr id="7" name="Rectangle 6"/>
+          <p:cNvSpPr/>
+          <p:nvPr/>
+        </p:nvSpPr>
+        <p:spPr>
+          <a:xfrm>
+            <a:off x="0" y="0"/>
+            <a:ext cx="1219200" cy="6858000"/>
+          </a:xfrm>
+          <a:prstGeom prst="rect">
+            <a:avLst/>
+          </a:prstGeom>
+          <a:solidFill>
+            <a:schemeClr val="accent2">
+              <a:lumMod val="60000"/>
+              <a:lumOff val="40000"/>
+            </a:schemeClr>
+          </a:solidFill>
+          <a:ln>
+            <a:noFill/>
+          </a:ln>
+        </p:spPr>
+        <p:style>
+          <a:lnRef idx="2">
+            <a:schemeClr val="accent1">
+              <a:shade val="50000"/>
+            </a:schemeClr>
+          </a:lnRef>
+          <a:fillRef idx="1">
+            <a:schemeClr val="accent1"/>
+          </a:fillRef>
+          <a:effectRef idx="0">
+            <a:schemeClr val="accent1"/>
+          </a:effectRef>
+          <a:fontRef idx="minor">
+            <a:schemeClr val="lt1"/>
+          </a:fontRef>
+        </p:style>
+        <p:txBody>
+          <a:bodyPr rtlCol="0" anchor="ctr"/>
+          <a:lstStyle/>
+          <a:p>
+            <a:pPr algn="ctr"/>
+            <a:endParaRPr lang="en-US" dirty="0" smtClean="0"/>
+          </a:p>
+        </p:txBody>
+      </p:sp>
+      <p:sp>
+        <p:nvSpPr>
+          <p:cNvPr id="10" name="Rectangle 9"/>
+          <p:cNvSpPr/>
+          <p:nvPr/>
+        </p:nvSpPr>
+        <p:spPr>
+          <a:xfrm>
+            <a:off x="1219200" y="6544019"/>
+            <a:ext cx="10972800" cy="88135"/>
+          </a:xfrm>
+          <a:prstGeom prst="rect">
+            <a:avLst/>
+          </a:prstGeom>
+          <a:solidFill>
+            <a:schemeClr val="accent2">
+              <a:lumMod val="50000"/>
+            </a:schemeClr>
+          </a:solidFill>
+          <a:effectLst>
+            <a:outerShdw blurRad="50800" dist="38100" dir="16200000" rotWithShape="0">
+              <a:prstClr val="black">
+                <a:alpha val="40000"/>
+              </a:prstClr>
+            </a:outerShdw>
+          </a:effectLst>
+        </p:spPr>
+        <p:style>
+          <a:lnRef idx="2">
+            <a:schemeClr val="accent1">
+              <a:shade val="50000"/>
+            </a:schemeClr>
+          </a:lnRef>
+          <a:fillRef idx="1">
+            <a:schemeClr val="accent1"/>
+          </a:fillRef>
+          <a:effectRef idx="0">
+            <a:schemeClr val="accent1"/>
+          </a:effectRef>
+          <a:fontRef idx="minor">
+            <a:schemeClr val="lt1"/>
+          </a:fontRef>
+        </p:style>
+        <p:txBody>
+          <a:bodyPr rtlCol="0" anchor="ctr"/>
+          <a:lstStyle/>
+          <a:p>
+            <a:pPr algn="ctr"/>
+            <a:endParaRPr lang="en-US"/>
+          </a:p>
+        </p:txBody>
+      </p:sp>
+      <p:sp>
+        <p:nvSpPr>
+          <p:cNvPr id="11" name="Rectangle 10"/>
+          <p:cNvSpPr/>
+          <p:nvPr/>
+        </p:nvSpPr>
+        <p:spPr>
+          <a:xfrm>
+            <a:off x="1219200" y="6632154"/>
+            <a:ext cx="10972800" cy="225846"/>
+          </a:xfrm>
+          <a:prstGeom prst="rect">
+            <a:avLst/>
+          </a:prstGeom>
+          <a:solidFill>
+            <a:schemeClr val="accent2">
+              <a:lumMod val="75000"/>
+            </a:schemeClr>
+          </a:solidFill>
+          <a:ln>
+            <a:noFill/>
+          </a:ln>
+          <a:effectLst>
+            <a:outerShdw blurRad="50800" dist="38100" dir="16200000" rotWithShape="0">
+              <a:prstClr val="black">
+                <a:alpha val="40000"/>
+              </a:prstClr>
+            </a:outerShdw>
+          </a:effectLst>
+        </p:spPr>
+        <p:style>
+          <a:lnRef idx="2">
+            <a:schemeClr val="accent1">
+              <a:shade val="50000"/>
+            </a:schemeClr>
+          </a:lnRef>
+          <a:fillRef idx="1">
+            <a:schemeClr val="accent1"/>
+          </a:fillRef>
+          <a:effectRef idx="0">
+            <a:schemeClr val="accent1"/>
+          </a:effectRef>
+          <a:fontRef idx="minor">
+            <a:schemeClr val="lt1"/>
+          </a:fontRef>
+        </p:style>
+        <p:txBody>
+          <a:bodyPr rtlCol="0" anchor="ctr"/>
+          <a:lstStyle/>
+          <a:p>
+            <a:pPr algn="ctr"/>
+            <a:endParaRPr lang="en-US"/>
+          </a:p>
+        </p:txBody>
+      </p:sp>
+      <p:sp>
+        <p:nvSpPr>
+          <p:cNvPr id="13" name="Flowchart: Data 12"/>
+          <p:cNvSpPr/>
+          <p:nvPr/>
+        </p:nvSpPr>
+        <p:spPr>
+          <a:xfrm>
+            <a:off x="-638978" y="583894"/>
+            <a:ext cx="3216925" cy="627962"/>
+          </a:xfrm>
+          <a:prstGeom prst="flowChartInputOutput">
+            <a:avLst/>
+          </a:prstGeom>
+          <a:solidFill>
+            <a:schemeClr val="accent2">
+              <a:lumMod val="40000"/>
+              <a:lumOff val="60000"/>
+            </a:schemeClr>
+          </a:solidFill>
+          <a:ln>
+            <a:noFill/>
+          </a:ln>
+          <a:effectLst>
+            <a:outerShdw blurRad="50800" dist="38100" dir="2700000" algn="tl" rotWithShape="0">
+              <a:prstClr val="black">
+                <a:alpha val="40000"/>
+              </a:prstClr>
+            </a:outerShdw>
+          </a:effectLst>
+        </p:spPr>
+        <p:style>
+          <a:lnRef idx="2">
+            <a:schemeClr val="accent1">
+              <a:shade val="50000"/>
+            </a:schemeClr>
+          </a:lnRef>
+          <a:fillRef idx="1">
+            <a:schemeClr val="accent1"/>
+          </a:fillRef>
+          <a:effectRef idx="0">
+            <a:schemeClr val="accent1"/>
+          </a:effectRef>
+          <a:fontRef idx="minor">
+            <a:schemeClr val="lt1"/>
+          </a:fontRef>
+        </p:style>
+        <p:txBody>
+          <a:bodyPr rtlCol="0" anchor="ctr"/>
+          <a:lstStyle/>
+          <a:p>
+            <a:pPr algn="ctr"/>
+            <a:endParaRPr lang="en-US"/>
+          </a:p>
+        </p:txBody>
+      </p:sp>
+      <p:sp>
+        <p:nvSpPr>
           <p:cNvPr id="16" name="TextBox 15"/>
           <p:cNvSpPr txBox="1"/>
           <p:nvPr/>
@@ -3280,6 +4943,59 @@
           </a:prstGeom>
         </p:spPr>
       </p:pic>
+      <p:sp>
+        <p:nvSpPr>
+          <p:cNvPr id="2" name="Slide Number Placeholder 1"/>
+          <p:cNvSpPr>
+            <a:spLocks noGrp="1"/>
+          </p:cNvSpPr>
+          <p:nvPr>
+            <p:ph type="sldNum" sz="quarter" idx="12"/>
+          </p:nvPr>
+        </p:nvSpPr>
+        <p:spPr/>
+        <p:txBody>
+          <a:bodyPr/>
+          <a:lstStyle/>
+          <a:p>
+            <a:fld id="{9804BE0E-F921-4A2B-9E23-40BE2FAE6C3B}" type="slidenum">
+              <a:rPr lang="en-US" smtClean="0"/>
+              <a:t>2</a:t>
+            </a:fld>
+            <a:endParaRPr lang="en-US"/>
+          </a:p>
+        </p:txBody>
+      </p:sp>
+      <p:sp>
+        <p:nvSpPr>
+          <p:cNvPr id="14" name="TextBox 13"/>
+          <p:cNvSpPr txBox="1"/>
+          <p:nvPr/>
+        </p:nvSpPr>
+        <p:spPr>
+          <a:xfrm>
+            <a:off x="0" y="0"/>
+            <a:ext cx="1019908" cy="338554"/>
+          </a:xfrm>
+          <a:prstGeom prst="rect">
+            <a:avLst/>
+          </a:prstGeom>
+          <a:noFill/>
+        </p:spPr>
+        <p:txBody>
+          <a:bodyPr wrap="square" rtlCol="0">
+            <a:spAutoFit/>
+          </a:bodyPr>
+          <a:lstStyle/>
+          <a:p>
+            <a:r>
+              <a:rPr lang="en-US" sz="1600" dirty="0" smtClean="0"/>
+              <a:t>Slide : 1</a:t>
+            </a:r>
+            <a:endParaRPr lang="en-US" sz="1600" dirty="0"/>
+          </a:p>
+        </p:txBody>
+      </p:sp>
     </p:spTree>
     <p:extLst>
       <p:ext uri="{BB962C8B-B14F-4D97-AF65-F5344CB8AC3E}">
@@ -3376,7 +5092,7 @@
 </p:sld>
 </file>
 
-<file path=ppt/slides/slide10.xml><?xml version="1.0" encoding="utf-8"?>
+<file path=ppt/slides/slide3.xml><?xml version="1.0" encoding="utf-8"?>
 <p:sld xmlns:a="http://schemas.openxmlformats.org/drawingml/2006/main" xmlns:r="http://schemas.openxmlformats.org/officeDocument/2006/relationships" xmlns:p="http://schemas.openxmlformats.org/presentationml/2006/main">
   <p:cSld>
     <p:spTree>
@@ -3605,753 +5321,6 @@
           </a:p>
         </p:txBody>
       </p:sp>
-    </p:spTree>
-    <p:extLst>
-      <p:ext uri="{BB962C8B-B14F-4D97-AF65-F5344CB8AC3E}">
-        <p14:creationId xmlns:p14="http://schemas.microsoft.com/office/powerpoint/2010/main" val="3709443935"/>
-      </p:ext>
-    </p:extLst>
-  </p:cSld>
-  <p:clrMapOvr>
-    <a:masterClrMapping/>
-  </p:clrMapOvr>
-  <p:timing>
-    <p:tnLst>
-      <p:par>
-        <p:cTn id="1" dur="indefinite" restart="never" nodeType="tmRoot"/>
-      </p:par>
-    </p:tnLst>
-  </p:timing>
-</p:sld>
-</file>
-
-<file path=ppt/slides/slide11.xml><?xml version="1.0" encoding="utf-8"?>
-<p:sld xmlns:a="http://schemas.openxmlformats.org/drawingml/2006/main" xmlns:r="http://schemas.openxmlformats.org/officeDocument/2006/relationships" xmlns:p="http://schemas.openxmlformats.org/presentationml/2006/main">
-  <p:cSld>
-    <p:spTree>
-      <p:nvGrpSpPr>
-        <p:cNvPr id="1" name=""/>
-        <p:cNvGrpSpPr/>
-        <p:nvPr/>
-      </p:nvGrpSpPr>
-      <p:grpSpPr>
-        <a:xfrm>
-          <a:off x="0" y="0"/>
-          <a:ext cx="0" cy="0"/>
-          <a:chOff x="0" y="0"/>
-          <a:chExt cx="0" cy="0"/>
-        </a:xfrm>
-      </p:grpSpPr>
-      <p:sp>
-        <p:nvSpPr>
-          <p:cNvPr id="7" name="Rectangle 6"/>
-          <p:cNvSpPr/>
-          <p:nvPr/>
-        </p:nvSpPr>
-        <p:spPr>
-          <a:xfrm>
-            <a:off x="0" y="0"/>
-            <a:ext cx="1219200" cy="6858000"/>
-          </a:xfrm>
-          <a:prstGeom prst="rect">
-            <a:avLst/>
-          </a:prstGeom>
-          <a:solidFill>
-            <a:schemeClr val="accent2">
-              <a:lumMod val="60000"/>
-              <a:lumOff val="40000"/>
-            </a:schemeClr>
-          </a:solidFill>
-          <a:ln>
-            <a:noFill/>
-          </a:ln>
-        </p:spPr>
-        <p:style>
-          <a:lnRef idx="2">
-            <a:schemeClr val="accent1">
-              <a:shade val="50000"/>
-            </a:schemeClr>
-          </a:lnRef>
-          <a:fillRef idx="1">
-            <a:schemeClr val="accent1"/>
-          </a:fillRef>
-          <a:effectRef idx="0">
-            <a:schemeClr val="accent1"/>
-          </a:effectRef>
-          <a:fontRef idx="minor">
-            <a:schemeClr val="lt1"/>
-          </a:fontRef>
-        </p:style>
-        <p:txBody>
-          <a:bodyPr rtlCol="0" anchor="ctr"/>
-          <a:lstStyle/>
-          <a:p>
-            <a:pPr algn="ctr"/>
-            <a:endParaRPr lang="en-US" dirty="0" smtClean="0"/>
-          </a:p>
-        </p:txBody>
-      </p:sp>
-      <p:sp>
-        <p:nvSpPr>
-          <p:cNvPr id="10" name="Rectangle 9"/>
-          <p:cNvSpPr/>
-          <p:nvPr/>
-        </p:nvSpPr>
-        <p:spPr>
-          <a:xfrm>
-            <a:off x="1219200" y="6544019"/>
-            <a:ext cx="10972800" cy="88135"/>
-          </a:xfrm>
-          <a:prstGeom prst="rect">
-            <a:avLst/>
-          </a:prstGeom>
-          <a:solidFill>
-            <a:schemeClr val="accent2">
-              <a:lumMod val="50000"/>
-            </a:schemeClr>
-          </a:solidFill>
-          <a:effectLst>
-            <a:outerShdw blurRad="50800" dist="38100" dir="16200000" rotWithShape="0">
-              <a:prstClr val="black">
-                <a:alpha val="40000"/>
-              </a:prstClr>
-            </a:outerShdw>
-          </a:effectLst>
-        </p:spPr>
-        <p:style>
-          <a:lnRef idx="2">
-            <a:schemeClr val="accent1">
-              <a:shade val="50000"/>
-            </a:schemeClr>
-          </a:lnRef>
-          <a:fillRef idx="1">
-            <a:schemeClr val="accent1"/>
-          </a:fillRef>
-          <a:effectRef idx="0">
-            <a:schemeClr val="accent1"/>
-          </a:effectRef>
-          <a:fontRef idx="minor">
-            <a:schemeClr val="lt1"/>
-          </a:fontRef>
-        </p:style>
-        <p:txBody>
-          <a:bodyPr rtlCol="0" anchor="ctr"/>
-          <a:lstStyle/>
-          <a:p>
-            <a:pPr algn="ctr"/>
-            <a:endParaRPr lang="en-US"/>
-          </a:p>
-        </p:txBody>
-      </p:sp>
-      <p:sp>
-        <p:nvSpPr>
-          <p:cNvPr id="11" name="Rectangle 10"/>
-          <p:cNvSpPr/>
-          <p:nvPr/>
-        </p:nvSpPr>
-        <p:spPr>
-          <a:xfrm>
-            <a:off x="1219200" y="6632154"/>
-            <a:ext cx="10972800" cy="225846"/>
-          </a:xfrm>
-          <a:prstGeom prst="rect">
-            <a:avLst/>
-          </a:prstGeom>
-          <a:solidFill>
-            <a:schemeClr val="accent2">
-              <a:lumMod val="75000"/>
-            </a:schemeClr>
-          </a:solidFill>
-          <a:ln>
-            <a:noFill/>
-          </a:ln>
-          <a:effectLst>
-            <a:outerShdw blurRad="50800" dist="38100" dir="16200000" rotWithShape="0">
-              <a:prstClr val="black">
-                <a:alpha val="40000"/>
-              </a:prstClr>
-            </a:outerShdw>
-          </a:effectLst>
-        </p:spPr>
-        <p:style>
-          <a:lnRef idx="2">
-            <a:schemeClr val="accent1">
-              <a:shade val="50000"/>
-            </a:schemeClr>
-          </a:lnRef>
-          <a:fillRef idx="1">
-            <a:schemeClr val="accent1"/>
-          </a:fillRef>
-          <a:effectRef idx="0">
-            <a:schemeClr val="accent1"/>
-          </a:effectRef>
-          <a:fontRef idx="minor">
-            <a:schemeClr val="lt1"/>
-          </a:fontRef>
-        </p:style>
-        <p:txBody>
-          <a:bodyPr rtlCol="0" anchor="ctr"/>
-          <a:lstStyle/>
-          <a:p>
-            <a:pPr algn="ctr"/>
-            <a:endParaRPr lang="en-US"/>
-          </a:p>
-        </p:txBody>
-      </p:sp>
-      <p:sp>
-        <p:nvSpPr>
-          <p:cNvPr id="13" name="Flowchart: Data 12"/>
-          <p:cNvSpPr/>
-          <p:nvPr/>
-        </p:nvSpPr>
-        <p:spPr>
-          <a:xfrm>
-            <a:off x="-638978" y="583894"/>
-            <a:ext cx="3216925" cy="627962"/>
-          </a:xfrm>
-          <a:prstGeom prst="flowChartInputOutput">
-            <a:avLst/>
-          </a:prstGeom>
-          <a:solidFill>
-            <a:schemeClr val="accent2">
-              <a:lumMod val="40000"/>
-              <a:lumOff val="60000"/>
-            </a:schemeClr>
-          </a:solidFill>
-          <a:ln>
-            <a:noFill/>
-          </a:ln>
-          <a:effectLst>
-            <a:outerShdw blurRad="50800" dist="38100" dir="2700000" algn="tl" rotWithShape="0">
-              <a:prstClr val="black">
-                <a:alpha val="40000"/>
-              </a:prstClr>
-            </a:outerShdw>
-          </a:effectLst>
-        </p:spPr>
-        <p:style>
-          <a:lnRef idx="2">
-            <a:schemeClr val="accent1">
-              <a:shade val="50000"/>
-            </a:schemeClr>
-          </a:lnRef>
-          <a:fillRef idx="1">
-            <a:schemeClr val="accent1"/>
-          </a:fillRef>
-          <a:effectRef idx="0">
-            <a:schemeClr val="accent1"/>
-          </a:effectRef>
-          <a:fontRef idx="minor">
-            <a:schemeClr val="lt1"/>
-          </a:fontRef>
-        </p:style>
-        <p:txBody>
-          <a:bodyPr rtlCol="0" anchor="ctr"/>
-          <a:lstStyle/>
-          <a:p>
-            <a:pPr algn="ctr"/>
-            <a:endParaRPr lang="en-US"/>
-          </a:p>
-        </p:txBody>
-      </p:sp>
-    </p:spTree>
-    <p:extLst>
-      <p:ext uri="{BB962C8B-B14F-4D97-AF65-F5344CB8AC3E}">
-        <p14:creationId xmlns:p14="http://schemas.microsoft.com/office/powerpoint/2010/main" val="3862784697"/>
-      </p:ext>
-    </p:extLst>
-  </p:cSld>
-  <p:clrMapOvr>
-    <a:masterClrMapping/>
-  </p:clrMapOvr>
-  <p:timing>
-    <p:tnLst>
-      <p:par>
-        <p:cTn id="1" dur="indefinite" restart="never" nodeType="tmRoot"/>
-      </p:par>
-    </p:tnLst>
-  </p:timing>
-</p:sld>
-</file>
-
-<file path=ppt/slides/slide12.xml><?xml version="1.0" encoding="utf-8"?>
-<p:sld xmlns:a="http://schemas.openxmlformats.org/drawingml/2006/main" xmlns:r="http://schemas.openxmlformats.org/officeDocument/2006/relationships" xmlns:p="http://schemas.openxmlformats.org/presentationml/2006/main">
-  <p:cSld>
-    <p:spTree>
-      <p:nvGrpSpPr>
-        <p:cNvPr id="1" name=""/>
-        <p:cNvGrpSpPr/>
-        <p:nvPr/>
-      </p:nvGrpSpPr>
-      <p:grpSpPr>
-        <a:xfrm>
-          <a:off x="0" y="0"/>
-          <a:ext cx="0" cy="0"/>
-          <a:chOff x="0" y="0"/>
-          <a:chExt cx="0" cy="0"/>
-        </a:xfrm>
-      </p:grpSpPr>
-      <p:sp>
-        <p:nvSpPr>
-          <p:cNvPr id="7" name="Rectangle 6"/>
-          <p:cNvSpPr/>
-          <p:nvPr/>
-        </p:nvSpPr>
-        <p:spPr>
-          <a:xfrm>
-            <a:off x="0" y="0"/>
-            <a:ext cx="1219200" cy="6858000"/>
-          </a:xfrm>
-          <a:prstGeom prst="rect">
-            <a:avLst/>
-          </a:prstGeom>
-          <a:solidFill>
-            <a:schemeClr val="accent2">
-              <a:lumMod val="60000"/>
-              <a:lumOff val="40000"/>
-            </a:schemeClr>
-          </a:solidFill>
-          <a:ln>
-            <a:noFill/>
-          </a:ln>
-        </p:spPr>
-        <p:style>
-          <a:lnRef idx="2">
-            <a:schemeClr val="accent1">
-              <a:shade val="50000"/>
-            </a:schemeClr>
-          </a:lnRef>
-          <a:fillRef idx="1">
-            <a:schemeClr val="accent1"/>
-          </a:fillRef>
-          <a:effectRef idx="0">
-            <a:schemeClr val="accent1"/>
-          </a:effectRef>
-          <a:fontRef idx="minor">
-            <a:schemeClr val="lt1"/>
-          </a:fontRef>
-        </p:style>
-        <p:txBody>
-          <a:bodyPr rtlCol="0" anchor="ctr"/>
-          <a:lstStyle/>
-          <a:p>
-            <a:pPr algn="ctr"/>
-            <a:endParaRPr lang="en-US" dirty="0" smtClean="0"/>
-          </a:p>
-        </p:txBody>
-      </p:sp>
-      <p:sp>
-        <p:nvSpPr>
-          <p:cNvPr id="10" name="Rectangle 9"/>
-          <p:cNvSpPr/>
-          <p:nvPr/>
-        </p:nvSpPr>
-        <p:spPr>
-          <a:xfrm>
-            <a:off x="1219200" y="6544019"/>
-            <a:ext cx="10972800" cy="88135"/>
-          </a:xfrm>
-          <a:prstGeom prst="rect">
-            <a:avLst/>
-          </a:prstGeom>
-          <a:solidFill>
-            <a:schemeClr val="accent2">
-              <a:lumMod val="50000"/>
-            </a:schemeClr>
-          </a:solidFill>
-          <a:effectLst>
-            <a:outerShdw blurRad="50800" dist="38100" dir="16200000" rotWithShape="0">
-              <a:prstClr val="black">
-                <a:alpha val="40000"/>
-              </a:prstClr>
-            </a:outerShdw>
-          </a:effectLst>
-        </p:spPr>
-        <p:style>
-          <a:lnRef idx="2">
-            <a:schemeClr val="accent1">
-              <a:shade val="50000"/>
-            </a:schemeClr>
-          </a:lnRef>
-          <a:fillRef idx="1">
-            <a:schemeClr val="accent1"/>
-          </a:fillRef>
-          <a:effectRef idx="0">
-            <a:schemeClr val="accent1"/>
-          </a:effectRef>
-          <a:fontRef idx="minor">
-            <a:schemeClr val="lt1"/>
-          </a:fontRef>
-        </p:style>
-        <p:txBody>
-          <a:bodyPr rtlCol="0" anchor="ctr"/>
-          <a:lstStyle/>
-          <a:p>
-            <a:pPr algn="ctr"/>
-            <a:endParaRPr lang="en-US"/>
-          </a:p>
-        </p:txBody>
-      </p:sp>
-      <p:sp>
-        <p:nvSpPr>
-          <p:cNvPr id="11" name="Rectangle 10"/>
-          <p:cNvSpPr/>
-          <p:nvPr/>
-        </p:nvSpPr>
-        <p:spPr>
-          <a:xfrm>
-            <a:off x="1219200" y="6632154"/>
-            <a:ext cx="10972800" cy="225846"/>
-          </a:xfrm>
-          <a:prstGeom prst="rect">
-            <a:avLst/>
-          </a:prstGeom>
-          <a:solidFill>
-            <a:schemeClr val="accent2">
-              <a:lumMod val="75000"/>
-            </a:schemeClr>
-          </a:solidFill>
-          <a:ln>
-            <a:noFill/>
-          </a:ln>
-          <a:effectLst>
-            <a:outerShdw blurRad="50800" dist="38100" dir="16200000" rotWithShape="0">
-              <a:prstClr val="black">
-                <a:alpha val="40000"/>
-              </a:prstClr>
-            </a:outerShdw>
-          </a:effectLst>
-        </p:spPr>
-        <p:style>
-          <a:lnRef idx="2">
-            <a:schemeClr val="accent1">
-              <a:shade val="50000"/>
-            </a:schemeClr>
-          </a:lnRef>
-          <a:fillRef idx="1">
-            <a:schemeClr val="accent1"/>
-          </a:fillRef>
-          <a:effectRef idx="0">
-            <a:schemeClr val="accent1"/>
-          </a:effectRef>
-          <a:fontRef idx="minor">
-            <a:schemeClr val="lt1"/>
-          </a:fontRef>
-        </p:style>
-        <p:txBody>
-          <a:bodyPr rtlCol="0" anchor="ctr"/>
-          <a:lstStyle/>
-          <a:p>
-            <a:pPr algn="ctr"/>
-            <a:endParaRPr lang="en-US"/>
-          </a:p>
-        </p:txBody>
-      </p:sp>
-      <p:sp>
-        <p:nvSpPr>
-          <p:cNvPr id="13" name="Flowchart: Data 12"/>
-          <p:cNvSpPr/>
-          <p:nvPr/>
-        </p:nvSpPr>
-        <p:spPr>
-          <a:xfrm>
-            <a:off x="-638978" y="583894"/>
-            <a:ext cx="3216925" cy="627962"/>
-          </a:xfrm>
-          <a:prstGeom prst="flowChartInputOutput">
-            <a:avLst/>
-          </a:prstGeom>
-          <a:solidFill>
-            <a:schemeClr val="accent2">
-              <a:lumMod val="40000"/>
-              <a:lumOff val="60000"/>
-            </a:schemeClr>
-          </a:solidFill>
-          <a:ln>
-            <a:noFill/>
-          </a:ln>
-          <a:effectLst>
-            <a:outerShdw blurRad="50800" dist="38100" dir="2700000" algn="tl" rotWithShape="0">
-              <a:prstClr val="black">
-                <a:alpha val="40000"/>
-              </a:prstClr>
-            </a:outerShdw>
-          </a:effectLst>
-        </p:spPr>
-        <p:style>
-          <a:lnRef idx="2">
-            <a:schemeClr val="accent1">
-              <a:shade val="50000"/>
-            </a:schemeClr>
-          </a:lnRef>
-          <a:fillRef idx="1">
-            <a:schemeClr val="accent1"/>
-          </a:fillRef>
-          <a:effectRef idx="0">
-            <a:schemeClr val="accent1"/>
-          </a:effectRef>
-          <a:fontRef idx="minor">
-            <a:schemeClr val="lt1"/>
-          </a:fontRef>
-        </p:style>
-        <p:txBody>
-          <a:bodyPr rtlCol="0" anchor="ctr"/>
-          <a:lstStyle/>
-          <a:p>
-            <a:pPr algn="ctr"/>
-            <a:endParaRPr lang="en-US"/>
-          </a:p>
-        </p:txBody>
-      </p:sp>
-    </p:spTree>
-    <p:extLst>
-      <p:ext uri="{BB962C8B-B14F-4D97-AF65-F5344CB8AC3E}">
-        <p14:creationId xmlns:p14="http://schemas.microsoft.com/office/powerpoint/2010/main" val="1824436499"/>
-      </p:ext>
-    </p:extLst>
-  </p:cSld>
-  <p:clrMapOvr>
-    <a:masterClrMapping/>
-  </p:clrMapOvr>
-  <p:timing>
-    <p:tnLst>
-      <p:par>
-        <p:cTn id="1" dur="indefinite" restart="never" nodeType="tmRoot"/>
-      </p:par>
-    </p:tnLst>
-  </p:timing>
-</p:sld>
-</file>
-
-<file path=ppt/slides/slide2.xml><?xml version="1.0" encoding="utf-8"?>
-<p:sld xmlns:a="http://schemas.openxmlformats.org/drawingml/2006/main" xmlns:r="http://schemas.openxmlformats.org/officeDocument/2006/relationships" xmlns:p="http://schemas.openxmlformats.org/presentationml/2006/main">
-  <p:cSld>
-    <p:spTree>
-      <p:nvGrpSpPr>
-        <p:cNvPr id="1" name=""/>
-        <p:cNvGrpSpPr/>
-        <p:nvPr/>
-      </p:nvGrpSpPr>
-      <p:grpSpPr>
-        <a:xfrm>
-          <a:off x="0" y="0"/>
-          <a:ext cx="0" cy="0"/>
-          <a:chOff x="0" y="0"/>
-          <a:chExt cx="0" cy="0"/>
-        </a:xfrm>
-      </p:grpSpPr>
-      <p:sp>
-        <p:nvSpPr>
-          <p:cNvPr id="7" name="Rectangle 6"/>
-          <p:cNvSpPr/>
-          <p:nvPr/>
-        </p:nvSpPr>
-        <p:spPr>
-          <a:xfrm>
-            <a:off x="0" y="0"/>
-            <a:ext cx="1219200" cy="6858000"/>
-          </a:xfrm>
-          <a:prstGeom prst="rect">
-            <a:avLst/>
-          </a:prstGeom>
-          <a:solidFill>
-            <a:schemeClr val="accent2">
-              <a:lumMod val="60000"/>
-              <a:lumOff val="40000"/>
-            </a:schemeClr>
-          </a:solidFill>
-          <a:ln>
-            <a:noFill/>
-          </a:ln>
-        </p:spPr>
-        <p:style>
-          <a:lnRef idx="2">
-            <a:schemeClr val="accent1">
-              <a:shade val="50000"/>
-            </a:schemeClr>
-          </a:lnRef>
-          <a:fillRef idx="1">
-            <a:schemeClr val="accent1"/>
-          </a:fillRef>
-          <a:effectRef idx="0">
-            <a:schemeClr val="accent1"/>
-          </a:effectRef>
-          <a:fontRef idx="minor">
-            <a:schemeClr val="lt1"/>
-          </a:fontRef>
-        </p:style>
-        <p:txBody>
-          <a:bodyPr rtlCol="0" anchor="ctr"/>
-          <a:lstStyle/>
-          <a:p>
-            <a:pPr algn="ctr"/>
-            <a:endParaRPr lang="en-US" dirty="0" smtClean="0"/>
-          </a:p>
-        </p:txBody>
-      </p:sp>
-      <p:sp>
-        <p:nvSpPr>
-          <p:cNvPr id="10" name="Rectangle 9"/>
-          <p:cNvSpPr/>
-          <p:nvPr/>
-        </p:nvSpPr>
-        <p:spPr>
-          <a:xfrm>
-            <a:off x="1219200" y="6544019"/>
-            <a:ext cx="10972800" cy="88135"/>
-          </a:xfrm>
-          <a:prstGeom prst="rect">
-            <a:avLst/>
-          </a:prstGeom>
-          <a:solidFill>
-            <a:schemeClr val="accent2">
-              <a:lumMod val="50000"/>
-            </a:schemeClr>
-          </a:solidFill>
-          <a:effectLst>
-            <a:outerShdw blurRad="50800" dist="38100" dir="16200000" rotWithShape="0">
-              <a:prstClr val="black">
-                <a:alpha val="40000"/>
-              </a:prstClr>
-            </a:outerShdw>
-          </a:effectLst>
-        </p:spPr>
-        <p:style>
-          <a:lnRef idx="2">
-            <a:schemeClr val="accent1">
-              <a:shade val="50000"/>
-            </a:schemeClr>
-          </a:lnRef>
-          <a:fillRef idx="1">
-            <a:schemeClr val="accent1"/>
-          </a:fillRef>
-          <a:effectRef idx="0">
-            <a:schemeClr val="accent1"/>
-          </a:effectRef>
-          <a:fontRef idx="minor">
-            <a:schemeClr val="lt1"/>
-          </a:fontRef>
-        </p:style>
-        <p:txBody>
-          <a:bodyPr rtlCol="0" anchor="ctr"/>
-          <a:lstStyle/>
-          <a:p>
-            <a:pPr algn="ctr"/>
-            <a:endParaRPr lang="en-US"/>
-          </a:p>
-        </p:txBody>
-      </p:sp>
-      <p:sp>
-        <p:nvSpPr>
-          <p:cNvPr id="11" name="Rectangle 10"/>
-          <p:cNvSpPr/>
-          <p:nvPr/>
-        </p:nvSpPr>
-        <p:spPr>
-          <a:xfrm>
-            <a:off x="1219200" y="6632154"/>
-            <a:ext cx="10972800" cy="225846"/>
-          </a:xfrm>
-          <a:prstGeom prst="rect">
-            <a:avLst/>
-          </a:prstGeom>
-          <a:solidFill>
-            <a:schemeClr val="accent2">
-              <a:lumMod val="75000"/>
-            </a:schemeClr>
-          </a:solidFill>
-          <a:ln>
-            <a:noFill/>
-          </a:ln>
-          <a:effectLst>
-            <a:outerShdw blurRad="50800" dist="38100" dir="16200000" rotWithShape="0">
-              <a:prstClr val="black">
-                <a:alpha val="40000"/>
-              </a:prstClr>
-            </a:outerShdw>
-          </a:effectLst>
-        </p:spPr>
-        <p:style>
-          <a:lnRef idx="2">
-            <a:schemeClr val="accent1">
-              <a:shade val="50000"/>
-            </a:schemeClr>
-          </a:lnRef>
-          <a:fillRef idx="1">
-            <a:schemeClr val="accent1"/>
-          </a:fillRef>
-          <a:effectRef idx="0">
-            <a:schemeClr val="accent1"/>
-          </a:effectRef>
-          <a:fontRef idx="minor">
-            <a:schemeClr val="lt1"/>
-          </a:fontRef>
-        </p:style>
-        <p:txBody>
-          <a:bodyPr rtlCol="0" anchor="ctr"/>
-          <a:lstStyle/>
-          <a:p>
-            <a:pPr algn="ctr"/>
-            <a:endParaRPr lang="en-US"/>
-          </a:p>
-        </p:txBody>
-      </p:sp>
-      <p:sp>
-        <p:nvSpPr>
-          <p:cNvPr id="13" name="Flowchart: Data 12"/>
-          <p:cNvSpPr/>
-          <p:nvPr/>
-        </p:nvSpPr>
-        <p:spPr>
-          <a:xfrm>
-            <a:off x="-638978" y="583894"/>
-            <a:ext cx="3216925" cy="627962"/>
-          </a:xfrm>
-          <a:prstGeom prst="flowChartInputOutput">
-            <a:avLst/>
-          </a:prstGeom>
-          <a:solidFill>
-            <a:schemeClr val="accent2">
-              <a:lumMod val="40000"/>
-              <a:lumOff val="60000"/>
-            </a:schemeClr>
-          </a:solidFill>
-          <a:ln>
-            <a:noFill/>
-          </a:ln>
-          <a:effectLst>
-            <a:outerShdw blurRad="50800" dist="38100" dir="2700000" algn="tl" rotWithShape="0">
-              <a:prstClr val="black">
-                <a:alpha val="40000"/>
-              </a:prstClr>
-            </a:outerShdw>
-          </a:effectLst>
-        </p:spPr>
-        <p:style>
-          <a:lnRef idx="2">
-            <a:schemeClr val="accent1">
-              <a:shade val="50000"/>
-            </a:schemeClr>
-          </a:lnRef>
-          <a:fillRef idx="1">
-            <a:schemeClr val="accent1"/>
-          </a:fillRef>
-          <a:effectRef idx="0">
-            <a:schemeClr val="accent1"/>
-          </a:effectRef>
-          <a:fontRef idx="minor">
-            <a:schemeClr val="lt1"/>
-          </a:fontRef>
-        </p:style>
-        <p:txBody>
-          <a:bodyPr rtlCol="0" anchor="ctr"/>
-          <a:lstStyle/>
-          <a:p>
-            <a:pPr algn="ctr"/>
-            <a:endParaRPr lang="en-US"/>
-          </a:p>
-        </p:txBody>
-      </p:sp>
       <p:sp>
         <p:nvSpPr>
           <p:cNvPr id="6" name="TextBox 5"/>
@@ -4412,7 +5381,6 @@
               <a:rPr lang="en-US" sz="2800" dirty="0" smtClean="0"/>
               <a:t>Knowing Code Clone and it’s type.</a:t>
             </a:r>
-            <a:endParaRPr lang="en-US" sz="2800" dirty="0" smtClean="0"/>
           </a:p>
         </p:txBody>
       </p:sp>
@@ -4580,13 +5548,61 @@
             </a:pPr>
             <a:r>
               <a:rPr lang="en-US" sz="2800" dirty="0" smtClean="0"/>
-              <a:t>Making</a:t>
-            </a:r>
-            <a:r>
-              <a:rPr lang="en-US" sz="2800" dirty="0" smtClean="0"/>
-              <a:t> the code judge a set of codes rather than just a pair</a:t>
-            </a:r>
-            <a:endParaRPr lang="en-US" sz="2800" dirty="0" smtClean="0"/>
+              <a:t>Making the code judge a set of codes rather than just a pair</a:t>
+            </a:r>
+          </a:p>
+        </p:txBody>
+      </p:sp>
+      <p:sp>
+        <p:nvSpPr>
+          <p:cNvPr id="2" name="Slide Number Placeholder 1"/>
+          <p:cNvSpPr>
+            <a:spLocks noGrp="1"/>
+          </p:cNvSpPr>
+          <p:nvPr>
+            <p:ph type="sldNum" sz="quarter" idx="12"/>
+          </p:nvPr>
+        </p:nvSpPr>
+        <p:spPr/>
+        <p:txBody>
+          <a:bodyPr/>
+          <a:lstStyle/>
+          <a:p>
+            <a:fld id="{9804BE0E-F921-4A2B-9E23-40BE2FAE6C3B}" type="slidenum">
+              <a:rPr lang="en-US" smtClean="0"/>
+              <a:t>3</a:t>
+            </a:fld>
+            <a:endParaRPr lang="en-US"/>
+          </a:p>
+        </p:txBody>
+      </p:sp>
+      <p:sp>
+        <p:nvSpPr>
+          <p:cNvPr id="19" name="TextBox 18"/>
+          <p:cNvSpPr txBox="1"/>
+          <p:nvPr/>
+        </p:nvSpPr>
+        <p:spPr>
+          <a:xfrm>
+            <a:off x="0" y="0"/>
+            <a:ext cx="1019908" cy="338554"/>
+          </a:xfrm>
+          <a:prstGeom prst="rect">
+            <a:avLst/>
+          </a:prstGeom>
+          <a:noFill/>
+        </p:spPr>
+        <p:txBody>
+          <a:bodyPr wrap="square" rtlCol="0">
+            <a:spAutoFit/>
+          </a:bodyPr>
+          <a:lstStyle/>
+          <a:p>
+            <a:r>
+              <a:rPr lang="en-US" sz="1600" dirty="0" smtClean="0"/>
+              <a:t>Slide : 1</a:t>
+            </a:r>
+            <a:endParaRPr lang="en-US" sz="1600" dirty="0"/>
           </a:p>
         </p:txBody>
       </p:sp>
@@ -4973,7 +5989,7 @@
 </p:sld>
 </file>
 
-<file path=ppt/slides/slide3.xml><?xml version="1.0" encoding="utf-8"?>
+<file path=ppt/slides/slide4.xml><?xml version="1.0" encoding="utf-8"?>
 <p:sld xmlns:a="http://schemas.openxmlformats.org/drawingml/2006/main" xmlns:r="http://schemas.openxmlformats.org/officeDocument/2006/relationships" xmlns:p="http://schemas.openxmlformats.org/presentationml/2006/main">
   <p:cSld>
     <p:spTree>
@@ -5363,6 +6379,59 @@
               <a:t> Semantic clone</a:t>
             </a:r>
             <a:endParaRPr lang="en-US" sz="2400" b="1" u="sng" dirty="0" smtClean="0"/>
+          </a:p>
+        </p:txBody>
+      </p:sp>
+      <p:sp>
+        <p:nvSpPr>
+          <p:cNvPr id="3" name="Slide Number Placeholder 2"/>
+          <p:cNvSpPr>
+            <a:spLocks noGrp="1"/>
+          </p:cNvSpPr>
+          <p:nvPr>
+            <p:ph type="sldNum" sz="quarter" idx="12"/>
+          </p:nvPr>
+        </p:nvSpPr>
+        <p:spPr/>
+        <p:txBody>
+          <a:bodyPr/>
+          <a:lstStyle/>
+          <a:p>
+            <a:fld id="{9804BE0E-F921-4A2B-9E23-40BE2FAE6C3B}" type="slidenum">
+              <a:rPr lang="en-US" smtClean="0"/>
+              <a:t>4</a:t>
+            </a:fld>
+            <a:endParaRPr lang="en-US"/>
+          </a:p>
+        </p:txBody>
+      </p:sp>
+      <p:sp>
+        <p:nvSpPr>
+          <p:cNvPr id="14" name="TextBox 13"/>
+          <p:cNvSpPr txBox="1"/>
+          <p:nvPr/>
+        </p:nvSpPr>
+        <p:spPr>
+          <a:xfrm>
+            <a:off x="0" y="0"/>
+            <a:ext cx="1019908" cy="338554"/>
+          </a:xfrm>
+          <a:prstGeom prst="rect">
+            <a:avLst/>
+          </a:prstGeom>
+          <a:noFill/>
+        </p:spPr>
+        <p:txBody>
+          <a:bodyPr wrap="square" rtlCol="0">
+            <a:spAutoFit/>
+          </a:bodyPr>
+          <a:lstStyle/>
+          <a:p>
+            <a:r>
+              <a:rPr lang="en-US" sz="1600" dirty="0" smtClean="0"/>
+              <a:t>Slide : 1</a:t>
+            </a:r>
+            <a:endParaRPr lang="en-US" sz="1600" dirty="0"/>
           </a:p>
         </p:txBody>
       </p:sp>
@@ -5386,7 +6455,7 @@
 </p:sld>
 </file>
 
-<file path=ppt/slides/slide4.xml><?xml version="1.0" encoding="utf-8"?>
+<file path=ppt/slides/slide5.xml><?xml version="1.0" encoding="utf-8"?>
 <p:sld xmlns:a="http://schemas.openxmlformats.org/drawingml/2006/main" xmlns:r="http://schemas.openxmlformats.org/officeDocument/2006/relationships" xmlns:p="http://schemas.openxmlformats.org/presentationml/2006/main">
   <p:cSld>
     <p:spTree>
@@ -6540,7 +7609,6 @@
               <a:rPr lang="en-US" b="1" dirty="0"/>
               <a:t>i</a:t>
             </a:r>
-            <a:endParaRPr lang="en-US" b="1" dirty="0"/>
           </a:p>
         </p:txBody>
       </p:sp>
@@ -7556,7 +8624,6 @@
               <a:rPr lang="en-US" b="1" dirty="0"/>
               <a:t>0</a:t>
             </a:r>
-            <a:endParaRPr lang="en-US" b="1" dirty="0"/>
           </a:p>
         </p:txBody>
       </p:sp>
@@ -7647,6 +8714,59 @@
               <a:t>condition</a:t>
             </a:r>
             <a:endParaRPr lang="en-US" sz="1000" dirty="0"/>
+          </a:p>
+        </p:txBody>
+      </p:sp>
+      <p:sp>
+        <p:nvSpPr>
+          <p:cNvPr id="3" name="Slide Number Placeholder 2"/>
+          <p:cNvSpPr>
+            <a:spLocks noGrp="1"/>
+          </p:cNvSpPr>
+          <p:nvPr>
+            <p:ph type="sldNum" sz="quarter" idx="12"/>
+          </p:nvPr>
+        </p:nvSpPr>
+        <p:spPr/>
+        <p:txBody>
+          <a:bodyPr/>
+          <a:lstStyle/>
+          <a:p>
+            <a:fld id="{9804BE0E-F921-4A2B-9E23-40BE2FAE6C3B}" type="slidenum">
+              <a:rPr lang="en-US" smtClean="0"/>
+              <a:t>5</a:t>
+            </a:fld>
+            <a:endParaRPr lang="en-US"/>
+          </a:p>
+        </p:txBody>
+      </p:sp>
+      <p:sp>
+        <p:nvSpPr>
+          <p:cNvPr id="66" name="TextBox 65"/>
+          <p:cNvSpPr txBox="1"/>
+          <p:nvPr/>
+        </p:nvSpPr>
+        <p:spPr>
+          <a:xfrm>
+            <a:off x="0" y="0"/>
+            <a:ext cx="1019908" cy="338554"/>
+          </a:xfrm>
+          <a:prstGeom prst="rect">
+            <a:avLst/>
+          </a:prstGeom>
+          <a:noFill/>
+        </p:spPr>
+        <p:txBody>
+          <a:bodyPr wrap="square" rtlCol="0">
+            <a:spAutoFit/>
+          </a:bodyPr>
+          <a:lstStyle/>
+          <a:p>
+            <a:r>
+              <a:rPr lang="en-US" sz="1600" dirty="0" smtClean="0"/>
+              <a:t>Slide : 1</a:t>
+            </a:r>
+            <a:endParaRPr lang="en-US" sz="1600" dirty="0"/>
           </a:p>
         </p:txBody>
       </p:sp>
@@ -9660,7 +10780,7 @@
 </p:sld>
 </file>
 
-<file path=ppt/slides/slide5.xml><?xml version="1.0" encoding="utf-8"?>
+<file path=ppt/slides/slide6.xml><?xml version="1.0" encoding="utf-8"?>
 <p:sld xmlns:a="http://schemas.openxmlformats.org/drawingml/2006/main" xmlns:r="http://schemas.openxmlformats.org/officeDocument/2006/relationships" xmlns:p="http://schemas.openxmlformats.org/presentationml/2006/main">
   <p:cSld>
     <p:spTree>
@@ -11321,6 +12441,59 @@
               <a:t>representation of following block of code:</a:t>
             </a:r>
             <a:endParaRPr lang="en-US" b="1" dirty="0"/>
+          </a:p>
+        </p:txBody>
+      </p:sp>
+      <p:sp>
+        <p:nvSpPr>
+          <p:cNvPr id="2" name="Slide Number Placeholder 1"/>
+          <p:cNvSpPr>
+            <a:spLocks noGrp="1"/>
+          </p:cNvSpPr>
+          <p:nvPr>
+            <p:ph type="sldNum" sz="quarter" idx="12"/>
+          </p:nvPr>
+        </p:nvSpPr>
+        <p:spPr/>
+        <p:txBody>
+          <a:bodyPr/>
+          <a:lstStyle/>
+          <a:p>
+            <a:fld id="{9804BE0E-F921-4A2B-9E23-40BE2FAE6C3B}" type="slidenum">
+              <a:rPr lang="en-US" smtClean="0"/>
+              <a:t>6</a:t>
+            </a:fld>
+            <a:endParaRPr lang="en-US"/>
+          </a:p>
+        </p:txBody>
+      </p:sp>
+      <p:sp>
+        <p:nvSpPr>
+          <p:cNvPr id="41" name="TextBox 40"/>
+          <p:cNvSpPr txBox="1"/>
+          <p:nvPr/>
+        </p:nvSpPr>
+        <p:spPr>
+          <a:xfrm>
+            <a:off x="0" y="0"/>
+            <a:ext cx="1019908" cy="338554"/>
+          </a:xfrm>
+          <a:prstGeom prst="rect">
+            <a:avLst/>
+          </a:prstGeom>
+          <a:noFill/>
+        </p:spPr>
+        <p:txBody>
+          <a:bodyPr wrap="square" rtlCol="0">
+            <a:spAutoFit/>
+          </a:bodyPr>
+          <a:lstStyle/>
+          <a:p>
+            <a:r>
+              <a:rPr lang="en-US" sz="1600" dirty="0" smtClean="0"/>
+              <a:t>Slide : 1</a:t>
+            </a:r>
+            <a:endParaRPr lang="en-US" sz="1600" dirty="0"/>
           </a:p>
         </p:txBody>
       </p:sp>
@@ -12339,7 +13512,7 @@
 </p:sld>
 </file>
 
-<file path=ppt/slides/slide6.xml><?xml version="1.0" encoding="utf-8"?>
+<file path=ppt/slides/slide7.xml><?xml version="1.0" encoding="utf-8"?>
 <p:sld xmlns:a="http://schemas.openxmlformats.org/drawingml/2006/main" xmlns:r="http://schemas.openxmlformats.org/officeDocument/2006/relationships" xmlns:p="http://schemas.openxmlformats.org/presentationml/2006/main">
   <p:cSld>
     <p:spTree>
@@ -12670,6 +13843,59 @@
           </a:prstGeom>
         </p:spPr>
       </p:pic>
+      <p:sp>
+        <p:nvSpPr>
+          <p:cNvPr id="3" name="Slide Number Placeholder 2"/>
+          <p:cNvSpPr>
+            <a:spLocks noGrp="1"/>
+          </p:cNvSpPr>
+          <p:nvPr>
+            <p:ph type="sldNum" sz="quarter" idx="12"/>
+          </p:nvPr>
+        </p:nvSpPr>
+        <p:spPr/>
+        <p:txBody>
+          <a:bodyPr/>
+          <a:lstStyle/>
+          <a:p>
+            <a:fld id="{9804BE0E-F921-4A2B-9E23-40BE2FAE6C3B}" type="slidenum">
+              <a:rPr lang="en-US" smtClean="0"/>
+              <a:t>7</a:t>
+            </a:fld>
+            <a:endParaRPr lang="en-US"/>
+          </a:p>
+        </p:txBody>
+      </p:sp>
+      <p:sp>
+        <p:nvSpPr>
+          <p:cNvPr id="14" name="TextBox 13"/>
+          <p:cNvSpPr txBox="1"/>
+          <p:nvPr/>
+        </p:nvSpPr>
+        <p:spPr>
+          <a:xfrm>
+            <a:off x="0" y="0"/>
+            <a:ext cx="1019908" cy="338554"/>
+          </a:xfrm>
+          <a:prstGeom prst="rect">
+            <a:avLst/>
+          </a:prstGeom>
+          <a:noFill/>
+        </p:spPr>
+        <p:txBody>
+          <a:bodyPr wrap="square" rtlCol="0">
+            <a:spAutoFit/>
+          </a:bodyPr>
+          <a:lstStyle/>
+          <a:p>
+            <a:r>
+              <a:rPr lang="en-US" sz="1600" dirty="0" smtClean="0"/>
+              <a:t>Slide : 1</a:t>
+            </a:r>
+            <a:endParaRPr lang="en-US" sz="1600" dirty="0"/>
+          </a:p>
+        </p:txBody>
+      </p:sp>
     </p:spTree>
     <p:extLst>
       <p:ext uri="{BB962C8B-B14F-4D97-AF65-F5344CB8AC3E}">
@@ -12766,255 +13992,6 @@
 </p:sld>
 </file>
 
-<file path=ppt/slides/slide7.xml><?xml version="1.0" encoding="utf-8"?>
-<p:sld xmlns:a="http://schemas.openxmlformats.org/drawingml/2006/main" xmlns:r="http://schemas.openxmlformats.org/officeDocument/2006/relationships" xmlns:p="http://schemas.openxmlformats.org/presentationml/2006/main">
-  <p:cSld>
-    <p:spTree>
-      <p:nvGrpSpPr>
-        <p:cNvPr id="1" name=""/>
-        <p:cNvGrpSpPr/>
-        <p:nvPr/>
-      </p:nvGrpSpPr>
-      <p:grpSpPr>
-        <a:xfrm>
-          <a:off x="0" y="0"/>
-          <a:ext cx="0" cy="0"/>
-          <a:chOff x="0" y="0"/>
-          <a:chExt cx="0" cy="0"/>
-        </a:xfrm>
-      </p:grpSpPr>
-      <p:sp>
-        <p:nvSpPr>
-          <p:cNvPr id="7" name="Rectangle 6"/>
-          <p:cNvSpPr/>
-          <p:nvPr/>
-        </p:nvSpPr>
-        <p:spPr>
-          <a:xfrm>
-            <a:off x="0" y="0"/>
-            <a:ext cx="1219200" cy="6858000"/>
-          </a:xfrm>
-          <a:prstGeom prst="rect">
-            <a:avLst/>
-          </a:prstGeom>
-          <a:solidFill>
-            <a:schemeClr val="accent2">
-              <a:lumMod val="60000"/>
-              <a:lumOff val="40000"/>
-            </a:schemeClr>
-          </a:solidFill>
-          <a:ln>
-            <a:noFill/>
-          </a:ln>
-        </p:spPr>
-        <p:style>
-          <a:lnRef idx="2">
-            <a:schemeClr val="accent1">
-              <a:shade val="50000"/>
-            </a:schemeClr>
-          </a:lnRef>
-          <a:fillRef idx="1">
-            <a:schemeClr val="accent1"/>
-          </a:fillRef>
-          <a:effectRef idx="0">
-            <a:schemeClr val="accent1"/>
-          </a:effectRef>
-          <a:fontRef idx="minor">
-            <a:schemeClr val="lt1"/>
-          </a:fontRef>
-        </p:style>
-        <p:txBody>
-          <a:bodyPr rtlCol="0" anchor="ctr"/>
-          <a:lstStyle/>
-          <a:p>
-            <a:pPr algn="ctr"/>
-            <a:endParaRPr lang="en-US" dirty="0" smtClean="0"/>
-          </a:p>
-        </p:txBody>
-      </p:sp>
-      <p:sp>
-        <p:nvSpPr>
-          <p:cNvPr id="10" name="Rectangle 9"/>
-          <p:cNvSpPr/>
-          <p:nvPr/>
-        </p:nvSpPr>
-        <p:spPr>
-          <a:xfrm>
-            <a:off x="1219200" y="6544019"/>
-            <a:ext cx="10972800" cy="88135"/>
-          </a:xfrm>
-          <a:prstGeom prst="rect">
-            <a:avLst/>
-          </a:prstGeom>
-          <a:solidFill>
-            <a:schemeClr val="accent2">
-              <a:lumMod val="50000"/>
-            </a:schemeClr>
-          </a:solidFill>
-          <a:effectLst>
-            <a:outerShdw blurRad="50800" dist="38100" dir="16200000" rotWithShape="0">
-              <a:prstClr val="black">
-                <a:alpha val="40000"/>
-              </a:prstClr>
-            </a:outerShdw>
-          </a:effectLst>
-        </p:spPr>
-        <p:style>
-          <a:lnRef idx="2">
-            <a:schemeClr val="accent1">
-              <a:shade val="50000"/>
-            </a:schemeClr>
-          </a:lnRef>
-          <a:fillRef idx="1">
-            <a:schemeClr val="accent1"/>
-          </a:fillRef>
-          <a:effectRef idx="0">
-            <a:schemeClr val="accent1"/>
-          </a:effectRef>
-          <a:fontRef idx="minor">
-            <a:schemeClr val="lt1"/>
-          </a:fontRef>
-        </p:style>
-        <p:txBody>
-          <a:bodyPr rtlCol="0" anchor="ctr"/>
-          <a:lstStyle/>
-          <a:p>
-            <a:pPr algn="ctr"/>
-            <a:endParaRPr lang="en-US"/>
-          </a:p>
-        </p:txBody>
-      </p:sp>
-      <p:sp>
-        <p:nvSpPr>
-          <p:cNvPr id="11" name="Rectangle 10"/>
-          <p:cNvSpPr/>
-          <p:nvPr/>
-        </p:nvSpPr>
-        <p:spPr>
-          <a:xfrm>
-            <a:off x="1219200" y="6632154"/>
-            <a:ext cx="10972800" cy="225846"/>
-          </a:xfrm>
-          <a:prstGeom prst="rect">
-            <a:avLst/>
-          </a:prstGeom>
-          <a:solidFill>
-            <a:schemeClr val="accent2">
-              <a:lumMod val="75000"/>
-            </a:schemeClr>
-          </a:solidFill>
-          <a:ln>
-            <a:noFill/>
-          </a:ln>
-          <a:effectLst>
-            <a:outerShdw blurRad="50800" dist="38100" dir="16200000" rotWithShape="0">
-              <a:prstClr val="black">
-                <a:alpha val="40000"/>
-              </a:prstClr>
-            </a:outerShdw>
-          </a:effectLst>
-        </p:spPr>
-        <p:style>
-          <a:lnRef idx="2">
-            <a:schemeClr val="accent1">
-              <a:shade val="50000"/>
-            </a:schemeClr>
-          </a:lnRef>
-          <a:fillRef idx="1">
-            <a:schemeClr val="accent1"/>
-          </a:fillRef>
-          <a:effectRef idx="0">
-            <a:schemeClr val="accent1"/>
-          </a:effectRef>
-          <a:fontRef idx="minor">
-            <a:schemeClr val="lt1"/>
-          </a:fontRef>
-        </p:style>
-        <p:txBody>
-          <a:bodyPr rtlCol="0" anchor="ctr"/>
-          <a:lstStyle/>
-          <a:p>
-            <a:pPr algn="ctr"/>
-            <a:endParaRPr lang="en-US"/>
-          </a:p>
-        </p:txBody>
-      </p:sp>
-      <p:sp>
-        <p:nvSpPr>
-          <p:cNvPr id="13" name="Flowchart: Data 12"/>
-          <p:cNvSpPr/>
-          <p:nvPr/>
-        </p:nvSpPr>
-        <p:spPr>
-          <a:xfrm>
-            <a:off x="-638978" y="583894"/>
-            <a:ext cx="3216925" cy="627962"/>
-          </a:xfrm>
-          <a:prstGeom prst="flowChartInputOutput">
-            <a:avLst/>
-          </a:prstGeom>
-          <a:solidFill>
-            <a:schemeClr val="accent2">
-              <a:lumMod val="40000"/>
-              <a:lumOff val="60000"/>
-            </a:schemeClr>
-          </a:solidFill>
-          <a:ln>
-            <a:noFill/>
-          </a:ln>
-          <a:effectLst>
-            <a:outerShdw blurRad="50800" dist="38100" dir="2700000" algn="tl" rotWithShape="0">
-              <a:prstClr val="black">
-                <a:alpha val="40000"/>
-              </a:prstClr>
-            </a:outerShdw>
-          </a:effectLst>
-        </p:spPr>
-        <p:style>
-          <a:lnRef idx="2">
-            <a:schemeClr val="accent1">
-              <a:shade val="50000"/>
-            </a:schemeClr>
-          </a:lnRef>
-          <a:fillRef idx="1">
-            <a:schemeClr val="accent1"/>
-          </a:fillRef>
-          <a:effectRef idx="0">
-            <a:schemeClr val="accent1"/>
-          </a:effectRef>
-          <a:fontRef idx="minor">
-            <a:schemeClr val="lt1"/>
-          </a:fontRef>
-        </p:style>
-        <p:txBody>
-          <a:bodyPr rtlCol="0" anchor="ctr"/>
-          <a:lstStyle/>
-          <a:p>
-            <a:pPr algn="ctr"/>
-            <a:endParaRPr lang="en-US"/>
-          </a:p>
-        </p:txBody>
-      </p:sp>
-    </p:spTree>
-    <p:extLst>
-      <p:ext uri="{BB962C8B-B14F-4D97-AF65-F5344CB8AC3E}">
-        <p14:creationId xmlns:p14="http://schemas.microsoft.com/office/powerpoint/2010/main" val="2345686160"/>
-      </p:ext>
-    </p:extLst>
-  </p:cSld>
-  <p:clrMapOvr>
-    <a:masterClrMapping/>
-  </p:clrMapOvr>
-  <p:timing>
-    <p:tnLst>
-      <p:par>
-        <p:cTn id="1" dur="indefinite" restart="never" nodeType="tmRoot"/>
-      </p:par>
-    </p:tnLst>
-  </p:timing>
-</p:sld>
-</file>
-
 <file path=ppt/slides/slide8.xml><?xml version="1.0" encoding="utf-8"?>
 <p:sld xmlns:a="http://schemas.openxmlformats.org/drawingml/2006/main" xmlns:r="http://schemas.openxmlformats.org/officeDocument/2006/relationships" xmlns:p="http://schemas.openxmlformats.org/presentationml/2006/main">
   <p:cSld>
@@ -13244,10 +14221,229 @@
           </a:p>
         </p:txBody>
       </p:sp>
+      <p:sp>
+        <p:nvSpPr>
+          <p:cNvPr id="8" name="TextBox 7"/>
+          <p:cNvSpPr txBox="1"/>
+          <p:nvPr/>
+        </p:nvSpPr>
+        <p:spPr>
+          <a:xfrm>
+            <a:off x="0" y="636265"/>
+            <a:ext cx="2324560" cy="523220"/>
+          </a:xfrm>
+          <a:prstGeom prst="rect">
+            <a:avLst/>
+          </a:prstGeom>
+          <a:noFill/>
+        </p:spPr>
+        <p:txBody>
+          <a:bodyPr wrap="square" rtlCol="0">
+            <a:spAutoFit/>
+          </a:bodyPr>
+          <a:lstStyle/>
+          <a:p>
+            <a:r>
+              <a:rPr lang="en-US" sz="2800" b="1" dirty="0" smtClean="0"/>
+              <a:t>Further Plan</a:t>
+            </a:r>
+            <a:endParaRPr lang="en-US" sz="2800" b="1" dirty="0"/>
+          </a:p>
+        </p:txBody>
+      </p:sp>
+      <p:sp>
+        <p:nvSpPr>
+          <p:cNvPr id="4" name="TextBox 3"/>
+          <p:cNvSpPr txBox="1"/>
+          <p:nvPr/>
+        </p:nvSpPr>
+        <p:spPr>
+          <a:xfrm>
+            <a:off x="1492469" y="1828800"/>
+            <a:ext cx="5570483" cy="523220"/>
+          </a:xfrm>
+          <a:prstGeom prst="rect">
+            <a:avLst/>
+          </a:prstGeom>
+          <a:noFill/>
+        </p:spPr>
+        <p:txBody>
+          <a:bodyPr wrap="square" rtlCol="0">
+            <a:spAutoFit/>
+          </a:bodyPr>
+          <a:lstStyle/>
+          <a:p>
+            <a:pPr marL="285750" indent="-285750">
+              <a:buFont typeface="Wingdings" panose="05000000000000000000" pitchFamily="2" charset="2"/>
+              <a:buChar char="q"/>
+            </a:pPr>
+            <a:r>
+              <a:rPr lang="en-US" sz="2800" dirty="0" smtClean="0"/>
+              <a:t>Implementing design in code.</a:t>
+            </a:r>
+            <a:endParaRPr lang="en-US" sz="2800" dirty="0"/>
+          </a:p>
+        </p:txBody>
+      </p:sp>
+      <p:sp>
+        <p:nvSpPr>
+          <p:cNvPr id="12" name="TextBox 11"/>
+          <p:cNvSpPr txBox="1"/>
+          <p:nvPr/>
+        </p:nvSpPr>
+        <p:spPr>
+          <a:xfrm>
+            <a:off x="1492469" y="2440155"/>
+            <a:ext cx="8734098" cy="523220"/>
+          </a:xfrm>
+          <a:prstGeom prst="rect">
+            <a:avLst/>
+          </a:prstGeom>
+          <a:noFill/>
+        </p:spPr>
+        <p:txBody>
+          <a:bodyPr wrap="square" rtlCol="0">
+            <a:spAutoFit/>
+          </a:bodyPr>
+          <a:lstStyle/>
+          <a:p>
+            <a:pPr marL="285750" indent="-285750">
+              <a:buFont typeface="Wingdings" panose="05000000000000000000" pitchFamily="2" charset="2"/>
+              <a:buChar char="q"/>
+            </a:pPr>
+            <a:r>
+              <a:rPr lang="en-US" sz="2800" dirty="0" smtClean="0"/>
+              <a:t>Combining all the different types of detectors together</a:t>
+            </a:r>
+            <a:endParaRPr lang="en-US" sz="2800" dirty="0"/>
+          </a:p>
+        </p:txBody>
+      </p:sp>
+      <p:sp>
+        <p:nvSpPr>
+          <p:cNvPr id="14" name="TextBox 13"/>
+          <p:cNvSpPr txBox="1"/>
+          <p:nvPr/>
+        </p:nvSpPr>
+        <p:spPr>
+          <a:xfrm>
+            <a:off x="1492469" y="3045908"/>
+            <a:ext cx="5570483" cy="523220"/>
+          </a:xfrm>
+          <a:prstGeom prst="rect">
+            <a:avLst/>
+          </a:prstGeom>
+          <a:noFill/>
+        </p:spPr>
+        <p:txBody>
+          <a:bodyPr wrap="square" rtlCol="0">
+            <a:spAutoFit/>
+          </a:bodyPr>
+          <a:lstStyle/>
+          <a:p>
+            <a:pPr marL="285750" indent="-285750">
+              <a:buFont typeface="Wingdings" panose="05000000000000000000" pitchFamily="2" charset="2"/>
+              <a:buChar char="q"/>
+            </a:pPr>
+            <a:r>
+              <a:rPr lang="en-US" sz="2800" dirty="0" smtClean="0"/>
+              <a:t>Creating better user interface (UI).</a:t>
+            </a:r>
+            <a:endParaRPr lang="en-US" sz="2800" dirty="0"/>
+          </a:p>
+        </p:txBody>
+      </p:sp>
+      <p:sp>
+        <p:nvSpPr>
+          <p:cNvPr id="15" name="TextBox 14"/>
+          <p:cNvSpPr txBox="1"/>
+          <p:nvPr/>
+        </p:nvSpPr>
+        <p:spPr>
+          <a:xfrm>
+            <a:off x="1492469" y="3651661"/>
+            <a:ext cx="8200222" cy="954107"/>
+          </a:xfrm>
+          <a:prstGeom prst="rect">
+            <a:avLst/>
+          </a:prstGeom>
+          <a:noFill/>
+        </p:spPr>
+        <p:txBody>
+          <a:bodyPr wrap="square" rtlCol="0">
+            <a:spAutoFit/>
+          </a:bodyPr>
+          <a:lstStyle/>
+          <a:p>
+            <a:pPr marL="285750" indent="-285750">
+              <a:buFont typeface="Wingdings" panose="05000000000000000000" pitchFamily="2" charset="2"/>
+              <a:buChar char="q"/>
+            </a:pPr>
+            <a:r>
+              <a:rPr lang="en-US" sz="2800" dirty="0" smtClean="0"/>
+              <a:t>Making the program work for more than 2 files at a time</a:t>
+            </a:r>
+            <a:endParaRPr lang="en-US" sz="2800" dirty="0"/>
+          </a:p>
+        </p:txBody>
+      </p:sp>
+      <p:sp>
+        <p:nvSpPr>
+          <p:cNvPr id="5" name="Slide Number Placeholder 4"/>
+          <p:cNvSpPr>
+            <a:spLocks noGrp="1"/>
+          </p:cNvSpPr>
+          <p:nvPr>
+            <p:ph type="sldNum" sz="quarter" idx="12"/>
+          </p:nvPr>
+        </p:nvSpPr>
+        <p:spPr/>
+        <p:txBody>
+          <a:bodyPr/>
+          <a:lstStyle/>
+          <a:p>
+            <a:fld id="{9804BE0E-F921-4A2B-9E23-40BE2FAE6C3B}" type="slidenum">
+              <a:rPr lang="en-US" smtClean="0"/>
+              <a:t>8</a:t>
+            </a:fld>
+            <a:endParaRPr lang="en-US"/>
+          </a:p>
+        </p:txBody>
+      </p:sp>
+      <p:sp>
+        <p:nvSpPr>
+          <p:cNvPr id="17" name="TextBox 16"/>
+          <p:cNvSpPr txBox="1"/>
+          <p:nvPr/>
+        </p:nvSpPr>
+        <p:spPr>
+          <a:xfrm>
+            <a:off x="0" y="0"/>
+            <a:ext cx="1019908" cy="338554"/>
+          </a:xfrm>
+          <a:prstGeom prst="rect">
+            <a:avLst/>
+          </a:prstGeom>
+          <a:noFill/>
+        </p:spPr>
+        <p:txBody>
+          <a:bodyPr wrap="square" rtlCol="0">
+            <a:spAutoFit/>
+          </a:bodyPr>
+          <a:lstStyle/>
+          <a:p>
+            <a:r>
+              <a:rPr lang="en-US" sz="1600" dirty="0" smtClean="0"/>
+              <a:t>Slide : 1</a:t>
+            </a:r>
+            <a:endParaRPr lang="en-US" sz="1600" dirty="0"/>
+          </a:p>
+        </p:txBody>
+      </p:sp>
     </p:spTree>
     <p:extLst>
       <p:ext uri="{BB962C8B-B14F-4D97-AF65-F5344CB8AC3E}">
-        <p14:creationId xmlns:p14="http://schemas.microsoft.com/office/powerpoint/2010/main" val="3422509933"/>
+        <p14:creationId xmlns:p14="http://schemas.microsoft.com/office/powerpoint/2010/main" val="2345686160"/>
       </p:ext>
     </p:extLst>
   </p:cSld>
@@ -13257,9 +14453,250 @@
   <p:timing>
     <p:tnLst>
       <p:par>
-        <p:cTn id="1" dur="indefinite" restart="never" nodeType="tmRoot"/>
+        <p:cTn id="1" dur="indefinite" restart="never" nodeType="tmRoot">
+          <p:childTnLst>
+            <p:seq concurrent="1" nextAc="seek">
+              <p:cTn id="2" dur="indefinite" nodeType="mainSeq">
+                <p:childTnLst>
+                  <p:par>
+                    <p:cTn id="3" fill="hold">
+                      <p:stCondLst>
+                        <p:cond delay="indefinite"/>
+                      </p:stCondLst>
+                      <p:childTnLst>
+                        <p:par>
+                          <p:cTn id="4" fill="hold">
+                            <p:stCondLst>
+                              <p:cond delay="0"/>
+                            </p:stCondLst>
+                            <p:childTnLst>
+                              <p:par>
+                                <p:cTn id="5" presetID="10" presetClass="entr" presetSubtype="0" fill="hold" grpId="0" nodeType="clickEffect">
+                                  <p:stCondLst>
+                                    <p:cond delay="0"/>
+                                  </p:stCondLst>
+                                  <p:childTnLst>
+                                    <p:set>
+                                      <p:cBhvr>
+                                        <p:cTn id="6" dur="1" fill="hold">
+                                          <p:stCondLst>
+                                            <p:cond delay="0"/>
+                                          </p:stCondLst>
+                                        </p:cTn>
+                                        <p:tgtEl>
+                                          <p:spTgt spid="4"/>
+                                        </p:tgtEl>
+                                        <p:attrNameLst>
+                                          <p:attrName>style.visibility</p:attrName>
+                                        </p:attrNameLst>
+                                      </p:cBhvr>
+                                      <p:to>
+                                        <p:strVal val="visible"/>
+                                      </p:to>
+                                    </p:set>
+                                    <p:animEffect transition="in" filter="fade">
+                                      <p:cBhvr>
+                                        <p:cTn id="7" dur="500"/>
+                                        <p:tgtEl>
+                                          <p:spTgt spid="4"/>
+                                        </p:tgtEl>
+                                      </p:cBhvr>
+                                    </p:animEffect>
+                                  </p:childTnLst>
+                                </p:cTn>
+                              </p:par>
+                            </p:childTnLst>
+                          </p:cTn>
+                        </p:par>
+                      </p:childTnLst>
+                    </p:cTn>
+                  </p:par>
+                  <p:par>
+                    <p:cTn id="8" fill="hold">
+                      <p:stCondLst>
+                        <p:cond delay="indefinite"/>
+                      </p:stCondLst>
+                      <p:childTnLst>
+                        <p:par>
+                          <p:cTn id="9" fill="hold">
+                            <p:stCondLst>
+                              <p:cond delay="0"/>
+                            </p:stCondLst>
+                            <p:childTnLst>
+                              <p:par>
+                                <p:cTn id="10" presetID="10" presetClass="entr" presetSubtype="0" fill="hold" grpId="0" nodeType="clickEffect">
+                                  <p:stCondLst>
+                                    <p:cond delay="0"/>
+                                  </p:stCondLst>
+                                  <p:childTnLst>
+                                    <p:set>
+                                      <p:cBhvr>
+                                        <p:cTn id="11" dur="1" fill="hold">
+                                          <p:stCondLst>
+                                            <p:cond delay="0"/>
+                                          </p:stCondLst>
+                                        </p:cTn>
+                                        <p:tgtEl>
+                                          <p:spTgt spid="12"/>
+                                        </p:tgtEl>
+                                        <p:attrNameLst>
+                                          <p:attrName>style.visibility</p:attrName>
+                                        </p:attrNameLst>
+                                      </p:cBhvr>
+                                      <p:to>
+                                        <p:strVal val="visible"/>
+                                      </p:to>
+                                    </p:set>
+                                    <p:animEffect transition="in" filter="fade">
+                                      <p:cBhvr>
+                                        <p:cTn id="12" dur="500"/>
+                                        <p:tgtEl>
+                                          <p:spTgt spid="12"/>
+                                        </p:tgtEl>
+                                      </p:cBhvr>
+                                    </p:animEffect>
+                                  </p:childTnLst>
+                                </p:cTn>
+                              </p:par>
+                            </p:childTnLst>
+                          </p:cTn>
+                        </p:par>
+                      </p:childTnLst>
+                    </p:cTn>
+                  </p:par>
+                  <p:par>
+                    <p:cTn id="13" fill="hold">
+                      <p:stCondLst>
+                        <p:cond delay="indefinite"/>
+                      </p:stCondLst>
+                      <p:childTnLst>
+                        <p:par>
+                          <p:cTn id="14" fill="hold">
+                            <p:stCondLst>
+                              <p:cond delay="0"/>
+                            </p:stCondLst>
+                            <p:childTnLst>
+                              <p:par>
+                                <p:cTn id="15" presetID="10" presetClass="entr" presetSubtype="0" fill="hold" grpId="0" nodeType="clickEffect">
+                                  <p:stCondLst>
+                                    <p:cond delay="0"/>
+                                  </p:stCondLst>
+                                  <p:childTnLst>
+                                    <p:set>
+                                      <p:cBhvr>
+                                        <p:cTn id="16" dur="1" fill="hold">
+                                          <p:stCondLst>
+                                            <p:cond delay="0"/>
+                                          </p:stCondLst>
+                                        </p:cTn>
+                                        <p:tgtEl>
+                                          <p:spTgt spid="14"/>
+                                        </p:tgtEl>
+                                        <p:attrNameLst>
+                                          <p:attrName>style.visibility</p:attrName>
+                                        </p:attrNameLst>
+                                      </p:cBhvr>
+                                      <p:to>
+                                        <p:strVal val="visible"/>
+                                      </p:to>
+                                    </p:set>
+                                    <p:animEffect transition="in" filter="fade">
+                                      <p:cBhvr>
+                                        <p:cTn id="17" dur="500"/>
+                                        <p:tgtEl>
+                                          <p:spTgt spid="14"/>
+                                        </p:tgtEl>
+                                      </p:cBhvr>
+                                    </p:animEffect>
+                                  </p:childTnLst>
+                                </p:cTn>
+                              </p:par>
+                            </p:childTnLst>
+                          </p:cTn>
+                        </p:par>
+                      </p:childTnLst>
+                    </p:cTn>
+                  </p:par>
+                  <p:par>
+                    <p:cTn id="18" fill="hold">
+                      <p:stCondLst>
+                        <p:cond delay="indefinite"/>
+                      </p:stCondLst>
+                      <p:childTnLst>
+                        <p:par>
+                          <p:cTn id="19" fill="hold">
+                            <p:stCondLst>
+                              <p:cond delay="0"/>
+                            </p:stCondLst>
+                            <p:childTnLst>
+                              <p:par>
+                                <p:cTn id="20" presetID="10" presetClass="entr" presetSubtype="0" fill="hold" grpId="0" nodeType="clickEffect">
+                                  <p:stCondLst>
+                                    <p:cond delay="0"/>
+                                  </p:stCondLst>
+                                  <p:childTnLst>
+                                    <p:set>
+                                      <p:cBhvr>
+                                        <p:cTn id="21" dur="1" fill="hold">
+                                          <p:stCondLst>
+                                            <p:cond delay="0"/>
+                                          </p:stCondLst>
+                                        </p:cTn>
+                                        <p:tgtEl>
+                                          <p:spTgt spid="15"/>
+                                        </p:tgtEl>
+                                        <p:attrNameLst>
+                                          <p:attrName>style.visibility</p:attrName>
+                                        </p:attrNameLst>
+                                      </p:cBhvr>
+                                      <p:to>
+                                        <p:strVal val="visible"/>
+                                      </p:to>
+                                    </p:set>
+                                    <p:animEffect transition="in" filter="fade">
+                                      <p:cBhvr>
+                                        <p:cTn id="22" dur="500"/>
+                                        <p:tgtEl>
+                                          <p:spTgt spid="15"/>
+                                        </p:tgtEl>
+                                      </p:cBhvr>
+                                    </p:animEffect>
+                                  </p:childTnLst>
+                                </p:cTn>
+                              </p:par>
+                            </p:childTnLst>
+                          </p:cTn>
+                        </p:par>
+                      </p:childTnLst>
+                    </p:cTn>
+                  </p:par>
+                </p:childTnLst>
+              </p:cTn>
+              <p:prevCondLst>
+                <p:cond evt="onPrev" delay="0">
+                  <p:tgtEl>
+                    <p:sldTgt/>
+                  </p:tgtEl>
+                </p:cond>
+              </p:prevCondLst>
+              <p:nextCondLst>
+                <p:cond evt="onNext" delay="0">
+                  <p:tgtEl>
+                    <p:sldTgt/>
+                  </p:tgtEl>
+                </p:cond>
+              </p:nextCondLst>
+            </p:seq>
+          </p:childTnLst>
+        </p:cTn>
       </p:par>
     </p:tnLst>
+    <p:bldLst>
+      <p:bldP spid="4" grpId="0"/>
+      <p:bldP spid="12" grpId="0"/>
+      <p:bldP spid="14" grpId="0"/>
+      <p:bldP spid="15" grpId="0"/>
+    </p:bldLst>
   </p:timing>
 </p:sld>
 </file>
@@ -13490,6 +14927,99 @@
           <a:p>
             <a:pPr algn="ctr"/>
             <a:endParaRPr lang="en-US"/>
+          </a:p>
+        </p:txBody>
+      </p:sp>
+      <p:sp>
+        <p:nvSpPr>
+          <p:cNvPr id="2" name="Slide Number Placeholder 1"/>
+          <p:cNvSpPr>
+            <a:spLocks noGrp="1"/>
+          </p:cNvSpPr>
+          <p:nvPr>
+            <p:ph type="sldNum" sz="quarter" idx="12"/>
+          </p:nvPr>
+        </p:nvSpPr>
+        <p:spPr/>
+        <p:txBody>
+          <a:bodyPr/>
+          <a:lstStyle/>
+          <a:p>
+            <a:fld id="{9804BE0E-F921-4A2B-9E23-40BE2FAE6C3B}" type="slidenum">
+              <a:rPr lang="en-US" smtClean="0"/>
+              <a:t>9</a:t>
+            </a:fld>
+            <a:endParaRPr lang="en-US"/>
+          </a:p>
+        </p:txBody>
+      </p:sp>
+      <p:sp>
+        <p:nvSpPr>
+          <p:cNvPr id="8" name="TextBox 7"/>
+          <p:cNvSpPr txBox="1"/>
+          <p:nvPr/>
+        </p:nvSpPr>
+        <p:spPr>
+          <a:xfrm>
+            <a:off x="0" y="636265"/>
+            <a:ext cx="2324560" cy="523220"/>
+          </a:xfrm>
+          <a:prstGeom prst="rect">
+            <a:avLst/>
+          </a:prstGeom>
+          <a:noFill/>
+        </p:spPr>
+        <p:txBody>
+          <a:bodyPr wrap="square" rtlCol="0">
+            <a:spAutoFit/>
+          </a:bodyPr>
+          <a:lstStyle/>
+          <a:p>
+            <a:r>
+              <a:rPr lang="en-US" sz="2800" b="1" dirty="0" smtClean="0"/>
+              <a:t>Sources</a:t>
+            </a:r>
+            <a:endParaRPr lang="en-US" sz="2800" b="1" dirty="0"/>
+          </a:p>
+        </p:txBody>
+      </p:sp>
+      <p:sp>
+        <p:nvSpPr>
+          <p:cNvPr id="4" name="TextBox 3"/>
+          <p:cNvSpPr txBox="1"/>
+          <p:nvPr/>
+        </p:nvSpPr>
+        <p:spPr>
+          <a:xfrm>
+            <a:off x="1430216" y="1611084"/>
+            <a:ext cx="8176846" cy="461665"/>
+          </a:xfrm>
+          <a:prstGeom prst="rect">
+            <a:avLst/>
+          </a:prstGeom>
+          <a:noFill/>
+        </p:spPr>
+        <p:txBody>
+          <a:bodyPr wrap="square" rtlCol="0">
+            <a:spAutoFit/>
+          </a:bodyPr>
+          <a:lstStyle/>
+          <a:p>
+            <a:pPr marL="285750" indent="-285750">
+              <a:buFont typeface="Wingdings" panose="05000000000000000000" pitchFamily="2" charset="2"/>
+              <a:buChar char="q"/>
+            </a:pPr>
+            <a:r>
+              <a:rPr lang="en-US" sz="2400" dirty="0" smtClean="0"/>
+              <a:t>Used draw.io for UML Diagram : </a:t>
+            </a:r>
+            <a:r>
+              <a:rPr lang="en-US" sz="2400" dirty="0">
+                <a:hlinkClick r:id="rId2"/>
+              </a:rPr>
+              <a:t>https://www.draw.io/</a:t>
+            </a:r>
+            <a:endParaRPr lang="en-US" sz="2400" dirty="0"/>
           </a:p>
         </p:txBody>
       </p:sp>
@@ -13772,4 +15302,265 @@
     </a:ext>
   </a:extLst>
 </a:theme>
+</file>
+
+<file path=ppt/theme/theme2.xml><?xml version="1.0" encoding="utf-8"?>
+<a:theme xmlns:a="http://schemas.openxmlformats.org/drawingml/2006/main" name="Office Theme">
+  <a:themeElements>
+    <a:clrScheme name="Office">
+      <a:dk1>
+        <a:sysClr val="windowText" lastClr="000000"/>
+      </a:dk1>
+      <a:lt1>
+        <a:sysClr val="window" lastClr="FFFFFF"/>
+      </a:lt1>
+      <a:dk2>
+        <a:srgbClr val="44546A"/>
+      </a:dk2>
+      <a:lt2>
+        <a:srgbClr val="E7E6E6"/>
+      </a:lt2>
+      <a:accent1>
+        <a:srgbClr val="5B9BD5"/>
+      </a:accent1>
+      <a:accent2>
+        <a:srgbClr val="ED7D31"/>
+      </a:accent2>
+      <a:accent3>
+        <a:srgbClr val="A5A5A5"/>
+      </a:accent3>
+      <a:accent4>
+        <a:srgbClr val="FFC000"/>
+      </a:accent4>
+      <a:accent5>
+        <a:srgbClr val="4472C4"/>
+      </a:accent5>
+      <a:accent6>
+        <a:srgbClr val="70AD47"/>
+      </a:accent6>
+      <a:hlink>
+        <a:srgbClr val="0563C1"/>
+      </a:hlink>
+      <a:folHlink>
+        <a:srgbClr val="954F72"/>
+      </a:folHlink>
+    </a:clrScheme>
+    <a:fontScheme name="Office">
+      <a:majorFont>
+        <a:latin typeface="Calibri Light" panose="020F0302020204030204"/>
+        <a:ea typeface=""/>
+        <a:cs typeface=""/>
+        <a:font script="Jpan" typeface="游ゴシック Light"/>
+        <a:font script="Hang" typeface="맑은 고딕"/>
+        <a:font script="Hans" typeface="等线 Light"/>
+        <a:font script="Hant" typeface="新細明體"/>
+        <a:font script="Arab" typeface="Times New Roman"/>
+        <a:font script="Hebr" typeface="Times New Roman"/>
+        <a:font script="Thai" typeface="Angsana New"/>
+        <a:font script="Ethi" typeface="Nyala"/>
+        <a:font script="Beng" typeface="Vrinda"/>
+        <a:font script="Gujr" typeface="Shruti"/>
+        <a:font script="Khmr" typeface="MoolBoran"/>
+        <a:font script="Knda" typeface="Tunga"/>
+        <a:font script="Guru" typeface="Raavi"/>
+        <a:font script="Cans" typeface="Euphemia"/>
+        <a:font script="Cher" typeface="Plantagenet Cherokee"/>
+        <a:font script="Yiii" typeface="Microsoft Yi Baiti"/>
+        <a:font script="Tibt" typeface="Microsoft Himalaya"/>
+        <a:font script="Thaa" typeface="MV Boli"/>
+        <a:font script="Deva" typeface="Mangal"/>
+        <a:font script="Telu" typeface="Gautami"/>
+        <a:font script="Taml" typeface="Latha"/>
+        <a:font script="Syrc" typeface="Estrangelo Edessa"/>
+        <a:font script="Orya" typeface="Kalinga"/>
+        <a:font script="Mlym" typeface="Kartika"/>
+        <a:font script="Laoo" typeface="DokChampa"/>
+        <a:font script="Sinh" typeface="Iskoola Pota"/>
+        <a:font script="Mong" typeface="Mongolian Baiti"/>
+        <a:font script="Viet" typeface="Times New Roman"/>
+        <a:font script="Uigh" typeface="Microsoft Uighur"/>
+        <a:font script="Geor" typeface="Sylfaen"/>
+      </a:majorFont>
+      <a:minorFont>
+        <a:latin typeface="Calibri" panose="020F0502020204030204"/>
+        <a:ea typeface=""/>
+        <a:cs typeface=""/>
+        <a:font script="Jpan" typeface="游ゴシック"/>
+        <a:font script="Hang" typeface="맑은 고딕"/>
+        <a:font script="Hans" typeface="等线"/>
+        <a:font script="Hant" typeface="新細明體"/>
+        <a:font script="Arab" typeface="Arial"/>
+        <a:font script="Hebr" typeface="Arial"/>
+        <a:font script="Thai" typeface="Cordia New"/>
+        <a:font script="Ethi" typeface="Nyala"/>
+        <a:font script="Beng" typeface="Vrinda"/>
+        <a:font script="Gujr" typeface="Shruti"/>
+        <a:font script="Khmr" typeface="DaunPenh"/>
+        <a:font script="Knda" typeface="Tunga"/>
+        <a:font script="Guru" typeface="Raavi"/>
+        <a:font script="Cans" typeface="Euphemia"/>
+        <a:font script="Cher" typeface="Plantagenet Cherokee"/>
+        <a:font script="Yiii" typeface="Microsoft Yi Baiti"/>
+        <a:font script="Tibt" typeface="Microsoft Himalaya"/>
+        <a:font script="Thaa" typeface="MV Boli"/>
+        <a:font script="Deva" typeface="Mangal"/>
+        <a:font script="Telu" typeface="Gautami"/>
+        <a:font script="Taml" typeface="Latha"/>
+        <a:font script="Syrc" typeface="Estrangelo Edessa"/>
+        <a:font script="Orya" typeface="Kalinga"/>
+        <a:font script="Mlym" typeface="Kartika"/>
+        <a:font script="Laoo" typeface="DokChampa"/>
+        <a:font script="Sinh" typeface="Iskoola Pota"/>
+        <a:font script="Mong" typeface="Mongolian Baiti"/>
+        <a:font script="Viet" typeface="Arial"/>
+        <a:font script="Uigh" typeface="Microsoft Uighur"/>
+        <a:font script="Geor" typeface="Sylfaen"/>
+      </a:minorFont>
+    </a:fontScheme>
+    <a:fmtScheme name="Office">
+      <a:fillStyleLst>
+        <a:solidFill>
+          <a:schemeClr val="phClr"/>
+        </a:solidFill>
+        <a:gradFill rotWithShape="1">
+          <a:gsLst>
+            <a:gs pos="0">
+              <a:schemeClr val="phClr">
+                <a:lumMod val="110000"/>
+                <a:satMod val="105000"/>
+                <a:tint val="67000"/>
+              </a:schemeClr>
+            </a:gs>
+            <a:gs pos="50000">
+              <a:schemeClr val="phClr">
+                <a:lumMod val="105000"/>
+                <a:satMod val="103000"/>
+                <a:tint val="73000"/>
+              </a:schemeClr>
+            </a:gs>
+            <a:gs pos="100000">
+              <a:schemeClr val="phClr">
+                <a:lumMod val="105000"/>
+                <a:satMod val="109000"/>
+                <a:tint val="81000"/>
+              </a:schemeClr>
+            </a:gs>
+          </a:gsLst>
+          <a:lin ang="5400000" scaled="0"/>
+        </a:gradFill>
+        <a:gradFill rotWithShape="1">
+          <a:gsLst>
+            <a:gs pos="0">
+              <a:schemeClr val="phClr">
+                <a:satMod val="103000"/>
+                <a:lumMod val="102000"/>
+                <a:tint val="94000"/>
+              </a:schemeClr>
+            </a:gs>
+            <a:gs pos="50000">
+              <a:schemeClr val="phClr">
+                <a:satMod val="110000"/>
+                <a:lumMod val="100000"/>
+                <a:shade val="100000"/>
+              </a:schemeClr>
+            </a:gs>
+            <a:gs pos="100000">
+              <a:schemeClr val="phClr">
+                <a:lumMod val="99000"/>
+                <a:satMod val="120000"/>
+                <a:shade val="78000"/>
+              </a:schemeClr>
+            </a:gs>
+          </a:gsLst>
+          <a:lin ang="5400000" scaled="0"/>
+        </a:gradFill>
+      </a:fillStyleLst>
+      <a:lnStyleLst>
+        <a:ln w="6350" cap="flat" cmpd="sng" algn="ctr">
+          <a:solidFill>
+            <a:schemeClr val="phClr"/>
+          </a:solidFill>
+          <a:prstDash val="solid"/>
+          <a:miter lim="800000"/>
+        </a:ln>
+        <a:ln w="12700" cap="flat" cmpd="sng" algn="ctr">
+          <a:solidFill>
+            <a:schemeClr val="phClr"/>
+          </a:solidFill>
+          <a:prstDash val="solid"/>
+          <a:miter lim="800000"/>
+        </a:ln>
+        <a:ln w="19050" cap="flat" cmpd="sng" algn="ctr">
+          <a:solidFill>
+            <a:schemeClr val="phClr"/>
+          </a:solidFill>
+          <a:prstDash val="solid"/>
+          <a:miter lim="800000"/>
+        </a:ln>
+      </a:lnStyleLst>
+      <a:effectStyleLst>
+        <a:effectStyle>
+          <a:effectLst/>
+        </a:effectStyle>
+        <a:effectStyle>
+          <a:effectLst/>
+        </a:effectStyle>
+        <a:effectStyle>
+          <a:effectLst>
+            <a:outerShdw blurRad="57150" dist="19050" dir="5400000" algn="ctr" rotWithShape="0">
+              <a:srgbClr val="000000">
+                <a:alpha val="63000"/>
+              </a:srgbClr>
+            </a:outerShdw>
+          </a:effectLst>
+        </a:effectStyle>
+      </a:effectStyleLst>
+      <a:bgFillStyleLst>
+        <a:solidFill>
+          <a:schemeClr val="phClr"/>
+        </a:solidFill>
+        <a:solidFill>
+          <a:schemeClr val="phClr">
+            <a:tint val="95000"/>
+            <a:satMod val="170000"/>
+          </a:schemeClr>
+        </a:solidFill>
+        <a:gradFill rotWithShape="1">
+          <a:gsLst>
+            <a:gs pos="0">
+              <a:schemeClr val="phClr">
+                <a:tint val="93000"/>
+                <a:satMod val="150000"/>
+                <a:shade val="98000"/>
+                <a:lumMod val="102000"/>
+              </a:schemeClr>
+            </a:gs>
+            <a:gs pos="50000">
+              <a:schemeClr val="phClr">
+                <a:tint val="98000"/>
+                <a:satMod val="130000"/>
+                <a:shade val="90000"/>
+                <a:lumMod val="103000"/>
+              </a:schemeClr>
+            </a:gs>
+            <a:gs pos="100000">
+              <a:schemeClr val="phClr">
+                <a:shade val="63000"/>
+                <a:satMod val="120000"/>
+              </a:schemeClr>
+            </a:gs>
+          </a:gsLst>
+          <a:lin ang="5400000" scaled="0"/>
+        </a:gradFill>
+      </a:bgFillStyleLst>
+    </a:fmtScheme>
+  </a:themeElements>
+  <a:objectDefaults/>
+  <a:extraClrSchemeLst/>
+  <a:extLst>
+    <a:ext uri="{05A4C25C-085E-4340-85A3-A5531E510DB2}">
+      <thm15:themeFamily xmlns:thm15="http://schemas.microsoft.com/office/thememl/2012/main" name="Office Theme" id="{62F939B6-93AF-4DB8-9C6B-D6C7DFDC589F}" vid="{4A3C46E8-61CC-4603-A589-7422A47A8E4A}"/>
+    </a:ext>
+  </a:extLst>
+</a:theme>
 </file>
--- a/MidPresentation1122.pptx
+++ b/MidPresentation1122.pptx
@@ -208,7 +208,7 @@
           <a:p>
             <a:fld id="{85E58294-7FF3-440C-BF1F-EE7EAF15DDB8}" type="datetimeFigureOut">
               <a:rPr lang="en-US" smtClean="0"/>
-              <a:t>3/12/2020</a:t>
+              <a:t>3/11/2020</a:t>
             </a:fld>
             <a:endParaRPr lang="en-US"/>
           </a:p>
@@ -607,7 +607,7 @@
           <a:p>
             <a:fld id="{DAC34BB4-5B7B-4ABC-BD34-3C3CE5A37F07}" type="datetime1">
               <a:rPr lang="en-US" smtClean="0"/>
-              <a:t>3/12/2020</a:t>
+              <a:t>3/11/2020</a:t>
             </a:fld>
             <a:endParaRPr lang="en-US"/>
           </a:p>
@@ -777,7 +777,7 @@
           <a:p>
             <a:fld id="{078D283B-DB16-47DB-A044-F64D07A8DBDC}" type="datetime1">
               <a:rPr lang="en-US" smtClean="0"/>
-              <a:t>3/12/2020</a:t>
+              <a:t>3/11/2020</a:t>
             </a:fld>
             <a:endParaRPr lang="en-US"/>
           </a:p>
@@ -957,7 +957,7 @@
           <a:p>
             <a:fld id="{61F0AA83-EA7A-4027-A0A7-A6A906471DDB}" type="datetime1">
               <a:rPr lang="en-US" smtClean="0"/>
-              <a:t>3/12/2020</a:t>
+              <a:t>3/11/2020</a:t>
             </a:fld>
             <a:endParaRPr lang="en-US"/>
           </a:p>
@@ -1127,7 +1127,7 @@
           <a:p>
             <a:fld id="{EFFC87B6-44CB-453E-851E-584E70DBF1A8}" type="datetime1">
               <a:rPr lang="en-US" smtClean="0"/>
-              <a:t>3/12/2020</a:t>
+              <a:t>3/11/2020</a:t>
             </a:fld>
             <a:endParaRPr lang="en-US"/>
           </a:p>
@@ -1373,7 +1373,7 @@
           <a:p>
             <a:fld id="{9F79A9D8-CBB1-4F00-9864-FB2E0B940977}" type="datetime1">
               <a:rPr lang="en-US" smtClean="0"/>
-              <a:t>3/12/2020</a:t>
+              <a:t>3/11/2020</a:t>
             </a:fld>
             <a:endParaRPr lang="en-US"/>
           </a:p>
@@ -1605,7 +1605,7 @@
           <a:p>
             <a:fld id="{C35420A8-78B2-48E0-99DF-6A14E282BF73}" type="datetime1">
               <a:rPr lang="en-US" smtClean="0"/>
-              <a:t>3/12/2020</a:t>
+              <a:t>3/11/2020</a:t>
             </a:fld>
             <a:endParaRPr lang="en-US"/>
           </a:p>
@@ -1972,7 +1972,7 @@
           <a:p>
             <a:fld id="{124688EE-8C2A-4BF2-ADA9-82206FFBF218}" type="datetime1">
               <a:rPr lang="en-US" smtClean="0"/>
-              <a:t>3/12/2020</a:t>
+              <a:t>3/11/2020</a:t>
             </a:fld>
             <a:endParaRPr lang="en-US"/>
           </a:p>
@@ -2090,7 +2090,7 @@
           <a:p>
             <a:fld id="{1FC1BA4D-D176-4F29-A7C1-8BC953A4E963}" type="datetime1">
               <a:rPr lang="en-US" smtClean="0"/>
-              <a:t>3/12/2020</a:t>
+              <a:t>3/11/2020</a:t>
             </a:fld>
             <a:endParaRPr lang="en-US"/>
           </a:p>
@@ -2185,7 +2185,7 @@
           <a:p>
             <a:fld id="{0AE15227-30FE-432E-9BC8-B29D47EBE6EF}" type="datetime1">
               <a:rPr lang="en-US" smtClean="0"/>
-              <a:t>3/12/2020</a:t>
+              <a:t>3/11/2020</a:t>
             </a:fld>
             <a:endParaRPr lang="en-US"/>
           </a:p>
@@ -2462,7 +2462,7 @@
           <a:p>
             <a:fld id="{F869D4DD-367D-4AAD-9669-7C7AEFB806AE}" type="datetime1">
               <a:rPr lang="en-US" smtClean="0"/>
-              <a:t>3/12/2020</a:t>
+              <a:t>3/11/2020</a:t>
             </a:fld>
             <a:endParaRPr lang="en-US"/>
           </a:p>
@@ -2715,7 +2715,7 @@
           <a:p>
             <a:fld id="{D9D3C8E9-5B01-4A93-B42B-07A1ACFE6C83}" type="datetime1">
               <a:rPr lang="en-US" smtClean="0"/>
-              <a:t>3/12/2020</a:t>
+              <a:t>3/11/2020</a:t>
             </a:fld>
             <a:endParaRPr lang="en-US"/>
           </a:p>
@@ -2928,7 +2928,7 @@
           <a:p>
             <a:fld id="{5C36DF27-BB25-4C4E-B529-AFB56024D46A}" type="datetime1">
               <a:rPr lang="en-US" smtClean="0"/>
-              <a:t>3/12/2020</a:t>
+              <a:t>3/11/2020</a:t>
             </a:fld>
             <a:endParaRPr lang="en-US"/>
           </a:p>
@@ -5600,7 +5600,11 @@
           <a:p>
             <a:r>
               <a:rPr lang="en-US" sz="1600" dirty="0" smtClean="0"/>
-              <a:t>Slide : 1</a:t>
+              <a:t>Slide : </a:t>
+            </a:r>
+            <a:r>
+              <a:rPr lang="en-US" sz="1600" dirty="0" smtClean="0"/>
+              <a:t>2</a:t>
             </a:r>
             <a:endParaRPr lang="en-US" sz="1600" dirty="0"/>
           </a:p>
@@ -6429,7 +6433,11 @@
           <a:p>
             <a:r>
               <a:rPr lang="en-US" sz="1600" dirty="0" smtClean="0"/>
-              <a:t>Slide : 1</a:t>
+              <a:t>Slide : </a:t>
+            </a:r>
+            <a:r>
+              <a:rPr lang="en-US" sz="1600" dirty="0" smtClean="0"/>
+              <a:t>3</a:t>
             </a:r>
             <a:endParaRPr lang="en-US" sz="1600" dirty="0"/>
           </a:p>
@@ -8764,7 +8772,11 @@
           <a:p>
             <a:r>
               <a:rPr lang="en-US" sz="1600" dirty="0" smtClean="0"/>
-              <a:t>Slide : 1</a:t>
+              <a:t>Slide : </a:t>
+            </a:r>
+            <a:r>
+              <a:rPr lang="en-US" sz="1600" dirty="0" smtClean="0"/>
+              <a:t>4</a:t>
             </a:r>
             <a:endParaRPr lang="en-US" sz="1600" dirty="0"/>
           </a:p>
@@ -12491,7 +12503,11 @@
           <a:p>
             <a:r>
               <a:rPr lang="en-US" sz="1600" dirty="0" smtClean="0"/>
-              <a:t>Slide : 1</a:t>
+              <a:t>Slide : </a:t>
+            </a:r>
+            <a:r>
+              <a:rPr lang="en-US" sz="1600" dirty="0" smtClean="0"/>
+              <a:t>5</a:t>
             </a:r>
             <a:endParaRPr lang="en-US" sz="1600" dirty="0"/>
           </a:p>
@@ -13890,7 +13906,11 @@
           <a:p>
             <a:r>
               <a:rPr lang="en-US" sz="1600" dirty="0" smtClean="0"/>
-              <a:t>Slide : 1</a:t>
+              <a:t>Slide : </a:t>
+            </a:r>
+            <a:r>
+              <a:rPr lang="en-US" sz="1600" dirty="0" smtClean="0"/>
+              <a:t>6</a:t>
             </a:r>
             <a:endParaRPr lang="en-US" sz="1600" dirty="0"/>
           </a:p>
@@ -14434,7 +14454,11 @@
           <a:p>
             <a:r>
               <a:rPr lang="en-US" sz="1600" dirty="0" smtClean="0"/>
-              <a:t>Slide : 1</a:t>
+              <a:t>Slide : </a:t>
+            </a:r>
+            <a:r>
+              <a:rPr lang="en-US" sz="1600" dirty="0" smtClean="0"/>
+              <a:t>7</a:t>
             </a:r>
             <a:endParaRPr lang="en-US" sz="1600" dirty="0"/>
           </a:p>
@@ -15020,6 +15044,40 @@
               <a:t>https://www.draw.io/</a:t>
             </a:r>
             <a:endParaRPr lang="en-US" sz="2400" dirty="0"/>
+          </a:p>
+        </p:txBody>
+      </p:sp>
+      <p:sp>
+        <p:nvSpPr>
+          <p:cNvPr id="9" name="TextBox 8"/>
+          <p:cNvSpPr txBox="1"/>
+          <p:nvPr/>
+        </p:nvSpPr>
+        <p:spPr>
+          <a:xfrm>
+            <a:off x="0" y="0"/>
+            <a:ext cx="1019908" cy="338554"/>
+          </a:xfrm>
+          <a:prstGeom prst="rect">
+            <a:avLst/>
+          </a:prstGeom>
+          <a:noFill/>
+        </p:spPr>
+        <p:txBody>
+          <a:bodyPr wrap="square" rtlCol="0">
+            <a:spAutoFit/>
+          </a:bodyPr>
+          <a:lstStyle/>
+          <a:p>
+            <a:r>
+              <a:rPr lang="en-US" sz="1600" dirty="0" smtClean="0"/>
+              <a:t>Slide : </a:t>
+            </a:r>
+            <a:r>
+              <a:rPr lang="en-US" sz="1600" dirty="0" smtClean="0"/>
+              <a:t>8</a:t>
+            </a:r>
+            <a:endParaRPr lang="en-US" sz="1600" dirty="0"/>
           </a:p>
         </p:txBody>
       </p:sp>
